--- a/published/lectures/16-prim/slides-wang.pptx
+++ b/published/lectures/16-prim/slides-wang.pptx
@@ -7,7 +7,7 @@
     <p:sldMasterId id="2147483668" r:id="rId3"/>
   </p:sldMasterIdLst>
   <p:notesMasterIdLst>
-    <p:notesMasterId r:id="rId41"/>
+    <p:notesMasterId r:id="rId43"/>
   </p:notesMasterIdLst>
   <p:sldIdLst>
     <p:sldId id="256" r:id="rId4"/>
@@ -33,73 +33,75 @@
     <p:sldId id="830" r:id="rId24"/>
     <p:sldId id="831" r:id="rId25"/>
     <p:sldId id="832" r:id="rId26"/>
-    <p:sldId id="896" r:id="rId27"/>
-    <p:sldId id="833" r:id="rId28"/>
-    <p:sldId id="835" r:id="rId29"/>
-    <p:sldId id="836" r:id="rId30"/>
-    <p:sldId id="834" r:id="rId31"/>
-    <p:sldId id="888" r:id="rId32"/>
-    <p:sldId id="889" r:id="rId33"/>
-    <p:sldId id="890" r:id="rId34"/>
-    <p:sldId id="891" r:id="rId35"/>
-    <p:sldId id="893" r:id="rId36"/>
-    <p:sldId id="894" r:id="rId37"/>
-    <p:sldId id="895" r:id="rId38"/>
-    <p:sldId id="892" r:id="rId39"/>
-    <p:sldId id="826" r:id="rId40"/>
+    <p:sldId id="899" r:id="rId27"/>
+    <p:sldId id="896" r:id="rId28"/>
+    <p:sldId id="833" r:id="rId29"/>
+    <p:sldId id="835" r:id="rId30"/>
+    <p:sldId id="836" r:id="rId31"/>
+    <p:sldId id="900" r:id="rId32"/>
+    <p:sldId id="834" r:id="rId33"/>
+    <p:sldId id="888" r:id="rId34"/>
+    <p:sldId id="889" r:id="rId35"/>
+    <p:sldId id="890" r:id="rId36"/>
+    <p:sldId id="891" r:id="rId37"/>
+    <p:sldId id="893" r:id="rId38"/>
+    <p:sldId id="894" r:id="rId39"/>
+    <p:sldId id="895" r:id="rId40"/>
+    <p:sldId id="892" r:id="rId41"/>
+    <p:sldId id="826" r:id="rId42"/>
   </p:sldIdLst>
   <p:sldSz cx="9144000" cy="6858000" type="screen4x3"/>
   <p:notesSz cx="6858000" cy="9144000"/>
   <p:embeddedFontLst>
     <p:embeddedFont>
       <p:font typeface="Arial Nova Cond" panose="020B0506020202020204" pitchFamily="34" charset="0"/>
-      <p:regular r:id="rId42"/>
-      <p:bold r:id="rId43"/>
-      <p:italic r:id="rId44"/>
-      <p:boldItalic r:id="rId45"/>
+      <p:regular r:id="rId44"/>
+      <p:bold r:id="rId45"/>
+      <p:italic r:id="rId46"/>
+      <p:boldItalic r:id="rId47"/>
     </p:embeddedFont>
     <p:embeddedFont>
       <p:font typeface="Bookman Old Style" panose="02050604050505020204" pitchFamily="18" charset="0"/>
-      <p:regular r:id="rId46"/>
-      <p:bold r:id="rId47"/>
-      <p:italic r:id="rId48"/>
-      <p:boldItalic r:id="rId49"/>
+      <p:regular r:id="rId48"/>
+      <p:bold r:id="rId49"/>
+      <p:italic r:id="rId50"/>
+      <p:boldItalic r:id="rId51"/>
     </p:embeddedFont>
     <p:embeddedFont>
       <p:font typeface="Calibri" panose="020F0502020204030204" pitchFamily="34" charset="0"/>
-      <p:regular r:id="rId50"/>
-      <p:bold r:id="rId51"/>
-      <p:italic r:id="rId52"/>
-      <p:boldItalic r:id="rId53"/>
+      <p:regular r:id="rId52"/>
+      <p:bold r:id="rId53"/>
+      <p:italic r:id="rId54"/>
+      <p:boldItalic r:id="rId55"/>
     </p:embeddedFont>
     <p:embeddedFont>
       <p:font typeface="Calibri Light" panose="020F0302020204030204" pitchFamily="34" charset="0"/>
-      <p:regular r:id="rId54"/>
-      <p:italic r:id="rId55"/>
+      <p:regular r:id="rId56"/>
+      <p:italic r:id="rId57"/>
     </p:embeddedFont>
     <p:embeddedFont>
       <p:font typeface="Cambria Math" panose="02040503050406030204" pitchFamily="18" charset="0"/>
-      <p:regular r:id="rId56"/>
+      <p:regular r:id="rId58"/>
     </p:embeddedFont>
     <p:embeddedFont>
       <p:font typeface="Gill Sans MT" panose="020B0502020104020203" pitchFamily="34" charset="0"/>
-      <p:regular r:id="rId57"/>
-      <p:bold r:id="rId58"/>
-      <p:italic r:id="rId59"/>
-      <p:boldItalic r:id="rId60"/>
+      <p:regular r:id="rId59"/>
+      <p:bold r:id="rId60"/>
+      <p:italic r:id="rId61"/>
+      <p:boldItalic r:id="rId62"/>
     </p:embeddedFont>
     <p:embeddedFont>
       <p:font typeface="Segoe UI Semibold" panose="020B0702040204020203" pitchFamily="34" charset="0"/>
-      <p:bold r:id="rId61"/>
-      <p:boldItalic r:id="rId62"/>
+      <p:bold r:id="rId63"/>
+      <p:boldItalic r:id="rId64"/>
     </p:embeddedFont>
     <p:embeddedFont>
       <p:font typeface="Wingdings 3" panose="05040102010807070707" pitchFamily="18" charset="2"/>
-      <p:regular r:id="rId63"/>
+      <p:regular r:id="rId65"/>
     </p:embeddedFont>
   </p:embeddedFontLst>
   <p:custDataLst>
-    <p:tags r:id="rId64"/>
+    <p:tags r:id="rId66"/>
   </p:custDataLst>
   <p:defaultTextStyle>
     <a:defPPr>
@@ -352,7 +354,7 @@
               <a:pPr>
                 <a:defRPr/>
               </a:pPr>
-              <a:t>3/1/2021</a:t>
+              <a:t>3/2/2021</a:t>
             </a:fld>
             <a:endParaRPr lang="en-US"/>
           </a:p>
@@ -1040,7 +1042,7 @@
               <a:pPr>
                 <a:defRPr/>
               </a:pPr>
-              <a:t>3/1/2021</a:t>
+              <a:t>3/2/2021</a:t>
             </a:fld>
             <a:endParaRPr lang="en-US"/>
           </a:p>
@@ -1284,7 +1286,7 @@
           <a:p>
             <a:fld id="{344494C4-6097-4BA9-B81C-8FE8D10E85BA}" type="datetimeFigureOut">
               <a:rPr lang="en-US" smtClean="0"/>
-              <a:t>3/1/2021</a:t>
+              <a:t>3/2/2021</a:t>
             </a:fld>
             <a:endParaRPr lang="en-US"/>
           </a:p>
@@ -1529,7 +1531,7 @@
           <a:p>
             <a:fld id="{344494C4-6097-4BA9-B81C-8FE8D10E85BA}" type="datetimeFigureOut">
               <a:rPr lang="en-US" smtClean="0"/>
-              <a:t>3/1/2021</a:t>
+              <a:t>3/2/2021</a:t>
             </a:fld>
             <a:endParaRPr lang="en-US"/>
           </a:p>
@@ -1909,7 +1911,7 @@
           <a:p>
             <a:fld id="{344494C4-6097-4BA9-B81C-8FE8D10E85BA}" type="datetimeFigureOut">
               <a:rPr lang="en-US" smtClean="0"/>
-              <a:t>3/1/2021</a:t>
+              <a:t>3/2/2021</a:t>
             </a:fld>
             <a:endParaRPr lang="en-US"/>
           </a:p>
@@ -2042,7 +2044,7 @@
           <a:p>
             <a:fld id="{344494C4-6097-4BA9-B81C-8FE8D10E85BA}" type="datetimeFigureOut">
               <a:rPr lang="en-US" smtClean="0"/>
-              <a:t>3/1/2021</a:t>
+              <a:t>3/2/2021</a:t>
             </a:fld>
             <a:endParaRPr lang="en-US"/>
           </a:p>
@@ -2153,7 +2155,7 @@
           <a:p>
             <a:fld id="{344494C4-6097-4BA9-B81C-8FE8D10E85BA}" type="datetimeFigureOut">
               <a:rPr lang="en-US" smtClean="0"/>
-              <a:t>3/1/2021</a:t>
+              <a:t>3/2/2021</a:t>
             </a:fld>
             <a:endParaRPr lang="en-US"/>
           </a:p>
@@ -2444,7 +2446,7 @@
           <a:p>
             <a:fld id="{344494C4-6097-4BA9-B81C-8FE8D10E85BA}" type="datetimeFigureOut">
               <a:rPr lang="en-US" smtClean="0"/>
-              <a:t>3/1/2021</a:t>
+              <a:t>3/2/2021</a:t>
             </a:fld>
             <a:endParaRPr lang="en-US"/>
           </a:p>
@@ -2712,7 +2714,7 @@
           <a:p>
             <a:fld id="{344494C4-6097-4BA9-B81C-8FE8D10E85BA}" type="datetimeFigureOut">
               <a:rPr lang="en-US" smtClean="0"/>
-              <a:t>3/1/2021</a:t>
+              <a:t>3/2/2021</a:t>
             </a:fld>
             <a:endParaRPr lang="en-US"/>
           </a:p>
@@ -2896,7 +2898,7 @@
           <a:p>
             <a:fld id="{344494C4-6097-4BA9-B81C-8FE8D10E85BA}" type="datetimeFigureOut">
               <a:rPr lang="en-US" smtClean="0"/>
-              <a:t>3/1/2021</a:t>
+              <a:t>3/2/2021</a:t>
             </a:fld>
             <a:endParaRPr lang="en-US"/>
           </a:p>
@@ -3090,7 +3092,7 @@
           <a:p>
             <a:fld id="{344494C4-6097-4BA9-B81C-8FE8D10E85BA}" type="datetimeFigureOut">
               <a:rPr lang="en-US" smtClean="0"/>
-              <a:t>3/1/2021</a:t>
+              <a:t>3/2/2021</a:t>
             </a:fld>
             <a:endParaRPr lang="en-US"/>
           </a:p>
@@ -3288,7 +3290,7 @@
           <a:p>
             <a:fld id="{7BF7D500-1223-4445-9EB2-2C72C770F9EB}" type="datetimeFigureOut">
               <a:rPr lang="en-US" smtClean="0"/>
-              <a:t>3/1/2021</a:t>
+              <a:t>3/2/2021</a:t>
             </a:fld>
             <a:endParaRPr lang="en-US"/>
           </a:p>
@@ -3471,7 +3473,7 @@
               <a:pPr>
                 <a:defRPr/>
               </a:pPr>
-              <a:t>3/1/2021</a:t>
+              <a:t>3/2/2021</a:t>
             </a:fld>
             <a:endParaRPr lang="en-US"/>
           </a:p>
@@ -3625,7 +3627,7 @@
           <a:p>
             <a:fld id="{7BF7D500-1223-4445-9EB2-2C72C770F9EB}" type="datetimeFigureOut">
               <a:rPr lang="en-US" smtClean="0"/>
-              <a:t>3/1/2021</a:t>
+              <a:t>3/2/2021</a:t>
             </a:fld>
             <a:endParaRPr lang="en-US"/>
           </a:p>
@@ -3870,7 +3872,7 @@
           <a:p>
             <a:fld id="{7BF7D500-1223-4445-9EB2-2C72C770F9EB}" type="datetimeFigureOut">
               <a:rPr lang="en-US" smtClean="0"/>
-              <a:t>3/1/2021</a:t>
+              <a:t>3/2/2021</a:t>
             </a:fld>
             <a:endParaRPr lang="en-US"/>
           </a:p>
@@ -4099,7 +4101,7 @@
           <a:p>
             <a:fld id="{7BF7D500-1223-4445-9EB2-2C72C770F9EB}" type="datetimeFigureOut">
               <a:rPr lang="en-US" smtClean="0"/>
-              <a:t>3/1/2021</a:t>
+              <a:t>3/2/2021</a:t>
             </a:fld>
             <a:endParaRPr lang="en-US"/>
           </a:p>
@@ -4463,7 +4465,7 @@
           <a:p>
             <a:fld id="{7BF7D500-1223-4445-9EB2-2C72C770F9EB}" type="datetimeFigureOut">
               <a:rPr lang="en-US" smtClean="0"/>
-              <a:t>3/1/2021</a:t>
+              <a:t>3/2/2021</a:t>
             </a:fld>
             <a:endParaRPr lang="en-US"/>
           </a:p>
@@ -4580,7 +4582,7 @@
           <a:p>
             <a:fld id="{7BF7D500-1223-4445-9EB2-2C72C770F9EB}" type="datetimeFigureOut">
               <a:rPr lang="en-US" smtClean="0"/>
-              <a:t>3/1/2021</a:t>
+              <a:t>3/2/2021</a:t>
             </a:fld>
             <a:endParaRPr lang="en-US"/>
           </a:p>
@@ -4675,7 +4677,7 @@
           <a:p>
             <a:fld id="{7BF7D500-1223-4445-9EB2-2C72C770F9EB}" type="datetimeFigureOut">
               <a:rPr lang="en-US" smtClean="0"/>
-              <a:t>3/1/2021</a:t>
+              <a:t>3/2/2021</a:t>
             </a:fld>
             <a:endParaRPr lang="en-US"/>
           </a:p>
@@ -4950,7 +4952,7 @@
           <a:p>
             <a:fld id="{7BF7D500-1223-4445-9EB2-2C72C770F9EB}" type="datetimeFigureOut">
               <a:rPr lang="en-US" smtClean="0"/>
-              <a:t>3/1/2021</a:t>
+              <a:t>3/2/2021</a:t>
             </a:fld>
             <a:endParaRPr lang="en-US"/>
           </a:p>
@@ -5202,7 +5204,7 @@
           <a:p>
             <a:fld id="{7BF7D500-1223-4445-9EB2-2C72C770F9EB}" type="datetimeFigureOut">
               <a:rPr lang="en-US" smtClean="0"/>
-              <a:t>3/1/2021</a:t>
+              <a:t>3/2/2021</a:t>
             </a:fld>
             <a:endParaRPr lang="en-US"/>
           </a:p>
@@ -5370,7 +5372,7 @@
           <a:p>
             <a:fld id="{7BF7D500-1223-4445-9EB2-2C72C770F9EB}" type="datetimeFigureOut">
               <a:rPr lang="en-US" smtClean="0"/>
-              <a:t>3/1/2021</a:t>
+              <a:t>3/2/2021</a:t>
             </a:fld>
             <a:endParaRPr lang="en-US"/>
           </a:p>
@@ -5548,7 +5550,7 @@
           <a:p>
             <a:fld id="{7BF7D500-1223-4445-9EB2-2C72C770F9EB}" type="datetimeFigureOut">
               <a:rPr lang="en-US" smtClean="0"/>
-              <a:t>3/1/2021</a:t>
+              <a:t>3/2/2021</a:t>
             </a:fld>
             <a:endParaRPr lang="en-US"/>
           </a:p>
@@ -5792,7 +5794,7 @@
               <a:pPr>
                 <a:defRPr/>
               </a:pPr>
-              <a:t>3/1/2021</a:t>
+              <a:t>3/2/2021</a:t>
             </a:fld>
             <a:endParaRPr lang="en-US"/>
           </a:p>
@@ -6142,7 +6144,7 @@
               <a:pPr>
                 <a:defRPr/>
               </a:pPr>
-              <a:t>3/1/2021</a:t>
+              <a:t>3/2/2021</a:t>
             </a:fld>
             <a:endParaRPr lang="en-US"/>
           </a:p>
@@ -6306,7 +6308,7 @@
               <a:pPr>
                 <a:defRPr/>
               </a:pPr>
-              <a:t>3/1/2021</a:t>
+              <a:t>3/2/2021</a:t>
             </a:fld>
             <a:endParaRPr lang="en-US"/>
           </a:p>
@@ -6397,7 +6399,7 @@
               <a:pPr>
                 <a:defRPr/>
               </a:pPr>
-              <a:t>3/1/2021</a:t>
+              <a:t>3/2/2021</a:t>
             </a:fld>
             <a:endParaRPr lang="en-US"/>
           </a:p>
@@ -6506,7 +6508,7 @@
               <a:pPr>
                 <a:defRPr/>
               </a:pPr>
-              <a:t>3/1/2021</a:t>
+              <a:t>3/2/2021</a:t>
             </a:fld>
             <a:endParaRPr lang="en-US"/>
           </a:p>
@@ -6691,7 +6693,7 @@
           <a:p>
             <a:fld id="{344494C4-6097-4BA9-B81C-8FE8D10E85BA}" type="datetimeFigureOut">
               <a:rPr lang="en-US" smtClean="0"/>
-              <a:t>3/1/2021</a:t>
+              <a:t>3/2/2021</a:t>
             </a:fld>
             <a:endParaRPr lang="en-US"/>
           </a:p>
@@ -6875,7 +6877,7 @@
           <a:p>
             <a:fld id="{344494C4-6097-4BA9-B81C-8FE8D10E85BA}" type="datetimeFigureOut">
               <a:rPr lang="en-US" smtClean="0"/>
-              <a:t>3/1/2021</a:t>
+              <a:t>3/2/2021</a:t>
             </a:fld>
             <a:endParaRPr lang="en-US"/>
           </a:p>
@@ -7124,7 +7126,7 @@
               <a:pPr>
                 <a:defRPr/>
               </a:pPr>
-              <a:t>3/1/2021</a:t>
+              <a:t>3/2/2021</a:t>
             </a:fld>
             <a:endParaRPr lang="en-US"/>
           </a:p>
@@ -8378,7 +8380,7 @@
           <a:p>
             <a:fld id="{7BF7D500-1223-4445-9EB2-2C72C770F9EB}" type="datetimeFigureOut">
               <a:rPr lang="en-US" smtClean="0"/>
-              <a:t>3/1/2021</a:t>
+              <a:t>3/2/2021</a:t>
             </a:fld>
             <a:endParaRPr lang="en-US"/>
           </a:p>
@@ -10827,8 +10829,8 @@
           </a:p>
         </p:txBody>
       </p:sp>
-      <mc:AlternateContent xmlns:mc="http://schemas.openxmlformats.org/markup-compatibility/2006" xmlns:a14="http://schemas.microsoft.com/office/drawing/2010/main">
-        <mc:Choice Requires="a14">
+      <mc:AlternateContent xmlns:mc="http://schemas.openxmlformats.org/markup-compatibility/2006">
+        <mc:Choice xmlns:a14="http://schemas.microsoft.com/office/drawing/2010/main" Requires="a14">
           <p:sp>
             <p:nvSpPr>
               <p:cNvPr id="3" name="Content Placeholder 2">
@@ -11081,7 +11083,7 @@
                 </a14:m>
                 <a:r>
                   <a:rPr lang="en-US" dirty="0"/>
-                  <a:t>is an edge with largest weight in </a:t>
+                  <a:t>has the largest weight among all edges in this cycle </a:t>
                 </a:r>
                 <a14:m>
                   <m:oMath xmlns:m="http://schemas.openxmlformats.org/officeDocument/2006/math">
@@ -11099,12 +11101,15 @@
                 </a:r>
               </a:p>
               <a:p>
+                <a:pPr marL="0" indent="0">
+                  <a:buNone/>
+                </a:pPr>
                 <a:endParaRPr lang="en-US" dirty="0"/>
               </a:p>
             </p:txBody>
           </p:sp>
         </mc:Choice>
-        <mc:Fallback xmlns="">
+        <mc:Fallback>
           <p:sp>
             <p:nvSpPr>
               <p:cNvPr id="3" name="Content Placeholder 2">
@@ -12522,7 +12527,15 @@
                 </a14:m>
                 <a:r>
                   <a:rPr lang="en-US" b="0" kern="0" dirty="0"/>
-                  <a:t> is </a:t>
+                  <a:t> </a:t>
+                </a:r>
+                <a:r>
+                  <a:rPr lang="en-US" kern="0" dirty="0"/>
+                  <a:t>consist of</a:t>
+                </a:r>
+                <a:r>
+                  <a:rPr lang="en-US" b="0" kern="0" dirty="0"/>
+                  <a:t> </a:t>
                 </a:r>
                 <a14:m>
                   <m:oMath xmlns:m="http://schemas.openxmlformats.org/officeDocument/2006/math">
@@ -12617,7 +12630,7 @@
               <a:blipFill>
                 <a:blip r:embed="rId3"/>
                 <a:stretch>
-                  <a:fillRect l="-667" t="-2000"/>
+                  <a:fillRect l="-667" t="-2000" r="-222"/>
                 </a:stretch>
               </a:blipFill>
               <a:ln w="9525">
@@ -13334,8 +13347,8 @@
           </a:p>
         </p:txBody>
       </p:sp>
-      <mc:AlternateContent xmlns:mc="http://schemas.openxmlformats.org/markup-compatibility/2006" xmlns:a14="http://schemas.microsoft.com/office/drawing/2010/main">
-        <mc:Choice Requires="a14">
+      <mc:AlternateContent xmlns:mc="http://schemas.openxmlformats.org/markup-compatibility/2006">
+        <mc:Choice xmlns:a14="http://schemas.microsoft.com/office/drawing/2010/main" Requires="a14">
           <p:sp>
             <p:nvSpPr>
               <p:cNvPr id="3" name="Content Placeholder 2">
@@ -13716,6 +13729,21 @@
                 <a14:m>
                   <m:oMath xmlns:m="http://schemas.openxmlformats.org/officeDocument/2006/math">
                     <m:r>
+                      <m:rPr>
+                        <m:sty m:val="p"/>
+                      </m:rPr>
+                      <a:rPr lang="en-US" b="0" i="0" smtClean="0">
+                        <a:latin typeface="Cambria Math" panose="02040503050406030204" pitchFamily="18" charset="0"/>
+                      </a:rPr>
+                      <m:t>U</m:t>
+                    </m:r>
+                    <m:r>
+                      <a:rPr lang="en-US" b="0" i="0" smtClean="0">
+                        <a:latin typeface="Cambria Math" panose="02040503050406030204" pitchFamily="18" charset="0"/>
+                      </a:rPr>
+                      <m:t>=</m:t>
+                    </m:r>
+                    <m:r>
                       <a:rPr lang="en-US" b="0" i="1" smtClean="0">
                         <a:latin typeface="Cambria Math" panose="02040503050406030204" pitchFamily="18" charset="0"/>
                       </a:rPr>
@@ -13725,7 +13753,7 @@
                       <a:rPr lang="en-US" b="0" i="1" smtClean="0">
                         <a:latin typeface="Cambria Math" panose="02040503050406030204" pitchFamily="18" charset="0"/>
                       </a:rPr>
-                      <m:t>=</m:t>
+                      <m:t>−</m:t>
                     </m:r>
                     <m:r>
                       <a:rPr lang="en-US" b="0" i="1" smtClean="0">
@@ -13757,7 +13785,7 @@
             </p:txBody>
           </p:sp>
         </mc:Choice>
-        <mc:Fallback xmlns="">
+        <mc:Fallback>
           <p:sp>
             <p:nvSpPr>
               <p:cNvPr id="3" name="Content Placeholder 2">
@@ -14268,6 +14296,36 @@
           <a:chExt cx="0" cy="0"/>
         </a:xfrm>
       </p:grpSpPr>
+      <p:pic>
+        <p:nvPicPr>
+          <p:cNvPr id="8" name="Picture 7">
+            <a:extLst>
+              <a:ext uri="{FF2B5EF4-FFF2-40B4-BE49-F238E27FC236}">
+                <a16:creationId xmlns:a16="http://schemas.microsoft.com/office/drawing/2014/main" id="{A0F2C321-E6B2-43C4-B3E7-88C8F4C2C16F}"/>
+              </a:ext>
+            </a:extLst>
+          </p:cNvPr>
+          <p:cNvPicPr>
+            <a:picLocks noChangeAspect="1"/>
+          </p:cNvPicPr>
+          <p:nvPr/>
+        </p:nvPicPr>
+        <p:blipFill>
+          <a:blip r:embed="rId2"/>
+          <a:stretch>
+            <a:fillRect/>
+          </a:stretch>
+        </p:blipFill>
+        <p:spPr>
+          <a:xfrm>
+            <a:off x="533400" y="1371600"/>
+            <a:ext cx="8153400" cy="3960825"/>
+          </a:xfrm>
+          <a:prstGeom prst="rect">
+            <a:avLst/>
+          </a:prstGeom>
+        </p:spPr>
+      </p:pic>
       <p:sp>
         <p:nvSpPr>
           <p:cNvPr id="2" name="Title 1">
@@ -14293,31 +14351,6 @@
               <a:rPr lang="en-US" dirty="0"/>
               <a:t>High level outline (not code)</a:t>
             </a:r>
-          </a:p>
-        </p:txBody>
-      </p:sp>
-      <p:sp>
-        <p:nvSpPr>
-          <p:cNvPr id="3" name="Content Placeholder 2">
-            <a:extLst>
-              <a:ext uri="{FF2B5EF4-FFF2-40B4-BE49-F238E27FC236}">
-                <a16:creationId xmlns:a16="http://schemas.microsoft.com/office/drawing/2014/main" id="{4857D6C2-F0FA-46A7-97E7-60B995BC0A17}"/>
-              </a:ext>
-            </a:extLst>
-          </p:cNvPr>
-          <p:cNvSpPr>
-            <a:spLocks noGrp="1"/>
-          </p:cNvSpPr>
-          <p:nvPr>
-            <p:ph sz="quarter" idx="1"/>
-          </p:nvPr>
-        </p:nvSpPr>
-        <p:spPr/>
-        <p:txBody>
-          <a:bodyPr/>
-          <a:lstStyle/>
-          <a:p>
-            <a:endParaRPr lang="en-US"/>
           </a:p>
         </p:txBody>
       </p:sp>
@@ -14636,7 +14669,7 @@
                 <a:avLst/>
               </a:prstGeom>
               <a:blipFill>
-                <a:blip r:embed="rId2"/>
+                <a:blip r:embed="rId3"/>
                 <a:stretch>
                   <a:fillRect l="-549" t="-5333" b="-14000"/>
                 </a:stretch>
@@ -14663,60 +14696,6 @@
           </p:sp>
         </mc:Fallback>
       </mc:AlternateContent>
-      <p:pic>
-        <p:nvPicPr>
-          <p:cNvPr id="5" name="Picture 2">
-            <a:extLst>
-              <a:ext uri="{FF2B5EF4-FFF2-40B4-BE49-F238E27FC236}">
-                <a16:creationId xmlns:a16="http://schemas.microsoft.com/office/drawing/2014/main" id="{14D960D8-B5DB-4EE3-82F7-06D724228858}"/>
-              </a:ext>
-            </a:extLst>
-          </p:cNvPr>
-          <p:cNvPicPr>
-            <a:picLocks noChangeAspect="1" noChangeArrowheads="1"/>
-          </p:cNvPicPr>
-          <p:nvPr/>
-        </p:nvPicPr>
-        <p:blipFill>
-          <a:blip r:embed="rId3">
-            <a:extLst>
-              <a:ext uri="{28A0092B-C50C-407E-A947-70E740481C1C}">
-                <a14:useLocalDpi xmlns:a14="http://schemas.microsoft.com/office/drawing/2010/main" val="0"/>
-              </a:ext>
-            </a:extLst>
-          </a:blip>
-          <a:srcRect/>
-          <a:stretch>
-            <a:fillRect/>
-          </a:stretch>
-        </p:blipFill>
-        <p:spPr bwMode="auto">
-          <a:xfrm>
-            <a:off x="465083" y="1366838"/>
-            <a:ext cx="8239125" cy="3971925"/>
-          </a:xfrm>
-          <a:prstGeom prst="rect">
-            <a:avLst/>
-          </a:prstGeom>
-          <a:ln w="19050" cap="sq">
-            <a:solidFill>
-              <a:srgbClr val="000000"/>
-            </a:solidFill>
-            <a:prstDash val="solid"/>
-            <a:miter lim="800000"/>
-          </a:ln>
-          <a:effectLst/>
-          <a:extLst>
-            <a:ext uri="{909E8E84-426E-40DD-AFC4-6F175D3DCCD1}">
-              <a14:hiddenFill xmlns:a14="http://schemas.microsoft.com/office/drawing/2010/main">
-                <a:solidFill>
-                  <a:schemeClr val="accent1"/>
-                </a:solidFill>
-              </a14:hiddenFill>
-            </a:ext>
-          </a:extLst>
-        </p:spPr>
-      </p:pic>
       <p:sp>
         <p:nvSpPr>
           <p:cNvPr id="6" name="Rectangle 34">
@@ -14780,7 +14759,7 @@
         <p:spPr bwMode="auto">
           <a:xfrm>
             <a:off x="1295400" y="3815648"/>
-            <a:ext cx="1981200" cy="419100"/>
+            <a:ext cx="2819400" cy="419100"/>
           </a:xfrm>
           <a:prstGeom prst="rect">
             <a:avLst/>
@@ -15654,7 +15633,7 @@
         <p:spPr>
           <a:xfrm>
             <a:off x="533400" y="3365938"/>
-            <a:ext cx="8229600" cy="2727960"/>
+            <a:ext cx="8229600" cy="3034862"/>
           </a:xfrm>
         </p:spPr>
         <p:txBody>
@@ -15677,8 +15656,12 @@
           <a:p>
             <a:pPr lvl="1"/>
             <a:r>
+              <a:rPr lang="en-US" sz="2400" i="1" kern="0" dirty="0"/>
+              <a:t>Loop i</a:t>
+            </a:r>
+            <a:r>
               <a:rPr lang="en-US" sz="2400" b="0" i="1" kern="0" dirty="0"/>
-              <a:t>Invariance</a:t>
+              <a:t>nvariant</a:t>
             </a:r>
             <a:r>
               <a:rPr lang="en-US" sz="2400" b="0" kern="0" dirty="0"/>
@@ -15707,7 +15690,7 @@
             </a:r>
             <a:r>
               <a:rPr lang="en-US" sz="2000" b="0" kern="0" dirty="0"/>
-              <a:t>, adds another edge to it), the invariance is that the new tree is still a subtree of </a:t>
+              <a:t>, adds another edge to it), the invariant is that the new tree is still a subtree of </a:t>
             </a:r>
             <a:r>
               <a:rPr lang="en-US" sz="2000" b="0" i="1" kern="0" dirty="0">
@@ -16058,6 +16041,1003 @@
           <p:cNvPr id="2" name="Title 1">
             <a:extLst>
               <a:ext uri="{FF2B5EF4-FFF2-40B4-BE49-F238E27FC236}">
+                <a16:creationId xmlns:a16="http://schemas.microsoft.com/office/drawing/2014/main" id="{30734198-123E-4234-8E49-498D91C995CF}"/>
+              </a:ext>
+            </a:extLst>
+          </p:cNvPr>
+          <p:cNvSpPr>
+            <a:spLocks noGrp="1"/>
+          </p:cNvSpPr>
+          <p:nvPr>
+            <p:ph type="title"/>
+          </p:nvPr>
+        </p:nvSpPr>
+        <p:spPr/>
+        <p:txBody>
+          <a:bodyPr/>
+          <a:lstStyle/>
+          <a:p>
+            <a:r>
+              <a:rPr lang="en-US" dirty="0"/>
+              <a:t>Idea for proving loop invariant</a:t>
+            </a:r>
+          </a:p>
+        </p:txBody>
+      </p:sp>
+      <mc:AlternateContent xmlns:mc="http://schemas.openxmlformats.org/markup-compatibility/2006">
+        <mc:Choice xmlns:a14="http://schemas.microsoft.com/office/drawing/2010/main" Requires="a14">
+          <p:sp>
+            <p:nvSpPr>
+              <p:cNvPr id="3" name="Content Placeholder 2">
+                <a:extLst>
+                  <a:ext uri="{FF2B5EF4-FFF2-40B4-BE49-F238E27FC236}">
+                    <a16:creationId xmlns:a16="http://schemas.microsoft.com/office/drawing/2014/main" id="{9B97946F-9314-4BCE-A937-8BB99D5E5D1B}"/>
+                  </a:ext>
+                </a:extLst>
+              </p:cNvPr>
+              <p:cNvSpPr>
+                <a:spLocks noGrp="1"/>
+              </p:cNvSpPr>
+              <p:nvPr>
+                <p:ph sz="quarter" idx="1"/>
+              </p:nvPr>
+            </p:nvSpPr>
+            <p:spPr/>
+            <p:txBody>
+              <a:bodyPr/>
+              <a:lstStyle/>
+              <a:p>
+                <a:r>
+                  <a:rPr lang="en-US" sz="2400" dirty="0"/>
+                  <a:t>By the theorem’s hypothesis, </a:t>
+                </a:r>
+                <a:r>
+                  <a:rPr lang="en-US" sz="2400" i="1" dirty="0"/>
+                  <a:t>T</a:t>
+                </a:r>
+                <a:r>
+                  <a:rPr lang="en-US" sz="2400" dirty="0"/>
+                  <a:t> is a </a:t>
+                </a:r>
+                <a:r>
+                  <a:rPr lang="en-US" sz="2400" dirty="0" err="1"/>
+                  <a:t>subtree</a:t>
+                </a:r>
+                <a:r>
+                  <a:rPr lang="en-US" sz="2400" dirty="0"/>
+                  <a:t> of some MST </a:t>
+                </a:r>
+                <a:r>
+                  <a:rPr lang="en-US" sz="2400" i="1" dirty="0"/>
+                  <a:t>A</a:t>
+                </a:r>
+                <a:r>
+                  <a:rPr lang="en-US" sz="2400" dirty="0"/>
+                  <a:t> of </a:t>
+                </a:r>
+                <a:r>
+                  <a:rPr lang="en-US" sz="2400" i="1" dirty="0"/>
+                  <a:t>G</a:t>
+                </a:r>
+                <a:r>
+                  <a:rPr lang="en-US" sz="2400" dirty="0"/>
+                  <a:t>. </a:t>
+                </a:r>
+              </a:p>
+              <a:p>
+                <a:r>
+                  <a:rPr lang="en-US" sz="2400" dirty="0"/>
+                  <a:t>If </a:t>
+                </a:r>
+                <a:r>
+                  <a:rPr lang="en-US" sz="2400" i="1" dirty="0"/>
+                  <a:t>e</a:t>
+                </a:r>
+                <a:r>
+                  <a:rPr lang="en-US" sz="2400" dirty="0"/>
+                  <a:t> is not an edge of </a:t>
+                </a:r>
+                <a:r>
+                  <a:rPr lang="en-US" sz="2400" i="1" dirty="0"/>
+                  <a:t>A</a:t>
+                </a:r>
+                <a:r>
+                  <a:rPr lang="en-US" sz="2400" dirty="0"/>
+                  <a:t>, then </a:t>
+                </a:r>
+                <a14:m>
+                  <m:oMath xmlns:m="http://schemas.openxmlformats.org/officeDocument/2006/math">
+                    <m:r>
+                      <a:rPr lang="en-US" sz="2400" b="0" i="1" smtClean="0">
+                        <a:latin typeface="Cambria Math"/>
+                      </a:rPr>
+                      <m:t>𝐴</m:t>
+                    </m:r>
+                    <m:r>
+                      <a:rPr lang="en-US" sz="2400" b="0" i="1" smtClean="0">
+                        <a:latin typeface="Cambria Math"/>
+                      </a:rPr>
+                      <m:t>∪</m:t>
+                    </m:r>
+                    <m:d>
+                      <m:dPr>
+                        <m:begChr m:val="{"/>
+                        <m:endChr m:val="}"/>
+                        <m:ctrlPr>
+                          <a:rPr lang="en-US" sz="2400" b="0" i="1" smtClean="0">
+                            <a:latin typeface="Cambria Math" panose="02040503050406030204" pitchFamily="18" charset="0"/>
+                          </a:rPr>
+                        </m:ctrlPr>
+                      </m:dPr>
+                      <m:e>
+                        <m:r>
+                          <a:rPr lang="en-US" sz="2400" b="0" i="1" smtClean="0">
+                            <a:latin typeface="Cambria Math"/>
+                          </a:rPr>
+                          <m:t>𝑒</m:t>
+                        </m:r>
+                      </m:e>
+                    </m:d>
+                    <m:r>
+                      <a:rPr lang="en-US" sz="2400" b="0" i="1" smtClean="0">
+                        <a:latin typeface="Cambria Math"/>
+                      </a:rPr>
+                      <m:t> </m:t>
+                    </m:r>
+                  </m:oMath>
+                </a14:m>
+                <a:r>
+                  <a:rPr lang="en-US" sz="2400" dirty="0"/>
+                  <a:t>contains a cycle. </a:t>
+                </a:r>
+              </a:p>
+              <a:p>
+                <a:r>
+                  <a:rPr lang="en-US" sz="2400" dirty="0"/>
+                  <a:t>Let </a:t>
+                </a:r>
+                <a14:m>
+                  <m:oMath xmlns:m="http://schemas.openxmlformats.org/officeDocument/2006/math">
+                    <m:r>
+                      <a:rPr lang="en-US" sz="2400" i="1" dirty="0" smtClean="0">
+                        <a:latin typeface="Cambria Math"/>
+                      </a:rPr>
+                      <m:t>𝐶</m:t>
+                    </m:r>
+                  </m:oMath>
+                </a14:m>
+                <a:r>
+                  <a:rPr lang="en-US" sz="2400" dirty="0"/>
+                  <a:t> be this cycle. There must exists some edge </a:t>
+                </a:r>
+                <a14:m>
+                  <m:oMath xmlns:m="http://schemas.openxmlformats.org/officeDocument/2006/math">
+                    <m:sSup>
+                      <m:sSupPr>
+                        <m:ctrlPr>
+                          <a:rPr lang="en-US" sz="2400" b="0" i="1" smtClean="0">
+                            <a:latin typeface="Cambria Math" panose="02040503050406030204" pitchFamily="18" charset="0"/>
+                          </a:rPr>
+                        </m:ctrlPr>
+                      </m:sSupPr>
+                      <m:e>
+                        <m:r>
+                          <a:rPr lang="en-US" sz="2400" b="0" i="1" smtClean="0">
+                            <a:latin typeface="Cambria Math"/>
+                          </a:rPr>
+                          <m:t>𝑒</m:t>
+                        </m:r>
+                      </m:e>
+                      <m:sup>
+                        <m:r>
+                          <a:rPr lang="en-US" sz="2400" b="0" i="1" smtClean="0">
+                            <a:latin typeface="Cambria Math"/>
+                          </a:rPr>
+                          <m:t>′</m:t>
+                        </m:r>
+                      </m:sup>
+                    </m:sSup>
+                    <m:r>
+                      <a:rPr lang="en-US" sz="2400" b="0" i="1" smtClean="0">
+                        <a:latin typeface="Cambria Math"/>
+                      </a:rPr>
+                      <m:t>∈</m:t>
+                    </m:r>
+                    <m:r>
+                      <a:rPr lang="en-US" sz="2400" b="0" i="1" smtClean="0">
+                        <a:latin typeface="Cambria Math"/>
+                      </a:rPr>
+                      <m:t>𝐶</m:t>
+                    </m:r>
+                    <m:r>
+                      <a:rPr lang="en-US" sz="2400" b="0" i="1" smtClean="0">
+                        <a:latin typeface="Cambria Math"/>
+                      </a:rPr>
+                      <m:t> </m:t>
+                    </m:r>
+                  </m:oMath>
+                </a14:m>
+                <a:r>
+                  <a:rPr lang="en-US" sz="2400" dirty="0"/>
+                  <a:t>from </a:t>
+                </a:r>
+                <a:r>
+                  <a:rPr lang="en-US" sz="2400" i="1" dirty="0"/>
+                  <a:t>T(S)</a:t>
+                </a:r>
+                <a:r>
+                  <a:rPr lang="en-US" sz="2400" dirty="0"/>
+                  <a:t> to a vertex not in </a:t>
+                </a:r>
+                <a:r>
+                  <a:rPr lang="en-US" sz="2400" i="1" dirty="0"/>
+                  <a:t>S (those vertices already connected)</a:t>
+                </a:r>
+                <a:r>
+                  <a:rPr lang="en-US" sz="2400" dirty="0"/>
+                  <a:t>. </a:t>
+                </a:r>
+              </a:p>
+              <a:p>
+                <a:r>
+                  <a:rPr lang="en-US" sz="2400" dirty="0"/>
+                  <a:t>Since e is a minimum weight edge from vertices in </a:t>
+                </a:r>
+                <a:r>
+                  <a:rPr lang="en-US" sz="2400" i="1" dirty="0"/>
+                  <a:t>T</a:t>
+                </a:r>
+                <a:r>
+                  <a:rPr lang="en-US" sz="2400" dirty="0"/>
+                  <a:t> to vertices not in </a:t>
+                </a:r>
+                <a:r>
+                  <a:rPr lang="en-US" sz="2400" i="1" dirty="0"/>
+                  <a:t>T</a:t>
+                </a:r>
+                <a:r>
+                  <a:rPr lang="en-US" sz="2400" dirty="0"/>
+                  <a:t>, </a:t>
+                </a:r>
+                <a14:m>
+                  <m:oMath xmlns:m="http://schemas.openxmlformats.org/officeDocument/2006/math">
+                    <m:r>
+                      <a:rPr lang="en-US" sz="2400" i="1" dirty="0" smtClean="0">
+                        <a:latin typeface="Cambria Math"/>
+                      </a:rPr>
+                      <m:t>𝑤𝑒𝑖𝑔h𝑡</m:t>
+                    </m:r>
+                    <m:d>
+                      <m:dPr>
+                        <m:ctrlPr>
+                          <a:rPr lang="en-US" sz="2400" i="1" dirty="0" smtClean="0">
+                            <a:latin typeface="Cambria Math" panose="02040503050406030204" pitchFamily="18" charset="0"/>
+                          </a:rPr>
+                        </m:ctrlPr>
+                      </m:dPr>
+                      <m:e>
+                        <m:r>
+                          <a:rPr lang="en-US" sz="2400" i="1" dirty="0" smtClean="0">
+                            <a:latin typeface="Cambria Math"/>
+                          </a:rPr>
+                          <m:t>𝑒</m:t>
+                        </m:r>
+                      </m:e>
+                    </m:d>
+                    <m:r>
+                      <a:rPr lang="en-US" sz="2400" b="0" i="1" dirty="0" smtClean="0">
+                        <a:latin typeface="Cambria Math"/>
+                      </a:rPr>
+                      <m:t>≤</m:t>
+                    </m:r>
+                    <m:r>
+                      <a:rPr lang="en-US" sz="2400" b="0" i="1" dirty="0" smtClean="0">
+                        <a:latin typeface="Cambria Math"/>
+                      </a:rPr>
+                      <m:t>𝑤𝑒𝑖𝑔h𝑡</m:t>
+                    </m:r>
+                    <m:d>
+                      <m:dPr>
+                        <m:ctrlPr>
+                          <a:rPr lang="en-US" sz="2400" b="0" i="1" dirty="0" smtClean="0">
+                            <a:latin typeface="Cambria Math" panose="02040503050406030204" pitchFamily="18" charset="0"/>
+                          </a:rPr>
+                        </m:ctrlPr>
+                      </m:dPr>
+                      <m:e>
+                        <m:sSup>
+                          <m:sSupPr>
+                            <m:ctrlPr>
+                              <a:rPr lang="en-US" sz="2400" b="0" i="1" dirty="0" smtClean="0">
+                                <a:latin typeface="Cambria Math" panose="02040503050406030204" pitchFamily="18" charset="0"/>
+                              </a:rPr>
+                            </m:ctrlPr>
+                          </m:sSupPr>
+                          <m:e>
+                            <m:r>
+                              <a:rPr lang="en-US" sz="2400" b="0" i="1" dirty="0" smtClean="0">
+                                <a:latin typeface="Cambria Math"/>
+                              </a:rPr>
+                              <m:t>𝑒</m:t>
+                            </m:r>
+                          </m:e>
+                          <m:sup>
+                            <m:r>
+                              <a:rPr lang="en-US" sz="2400" b="0" i="1" dirty="0" smtClean="0">
+                                <a:latin typeface="Cambria Math"/>
+                              </a:rPr>
+                              <m:t>′</m:t>
+                            </m:r>
+                          </m:sup>
+                        </m:sSup>
+                      </m:e>
+                    </m:d>
+                  </m:oMath>
+                </a14:m>
+                <a:r>
+                  <a:rPr lang="en-US" sz="2400" dirty="0"/>
+                  <a:t>. </a:t>
+                </a:r>
+              </a:p>
+              <a:p>
+                <a:r>
+                  <a:rPr lang="en-US" sz="2400" dirty="0"/>
+                  <a:t>Replacing </a:t>
+                </a:r>
+                <a14:m>
+                  <m:oMath xmlns:m="http://schemas.openxmlformats.org/officeDocument/2006/math">
+                    <m:sSup>
+                      <m:sSupPr>
+                        <m:ctrlPr>
+                          <a:rPr lang="en-US" sz="2400" i="1">
+                            <a:latin typeface="Cambria Math" panose="02040503050406030204" pitchFamily="18" charset="0"/>
+                          </a:rPr>
+                        </m:ctrlPr>
+                      </m:sSupPr>
+                      <m:e>
+                        <m:r>
+                          <a:rPr lang="en-US" sz="2400" i="1">
+                            <a:latin typeface="Cambria Math"/>
+                          </a:rPr>
+                          <m:t>𝑒</m:t>
+                        </m:r>
+                      </m:e>
+                      <m:sup>
+                        <m:r>
+                          <a:rPr lang="en-US" sz="2400" i="1">
+                            <a:latin typeface="Cambria Math"/>
+                          </a:rPr>
+                          <m:t>′</m:t>
+                        </m:r>
+                      </m:sup>
+                    </m:sSup>
+                    <m:r>
+                      <a:rPr lang="en-US" sz="2400" b="0" i="1" smtClean="0">
+                        <a:latin typeface="Cambria Math"/>
+                      </a:rPr>
+                      <m:t>∈</m:t>
+                    </m:r>
+                    <m:r>
+                      <a:rPr lang="en-US" sz="2400" b="0" i="1" smtClean="0">
+                        <a:latin typeface="Cambria Math"/>
+                      </a:rPr>
+                      <m:t>𝐴</m:t>
+                    </m:r>
+                  </m:oMath>
+                </a14:m>
+                <a:r>
+                  <a:rPr lang="en-US" sz="2400" dirty="0"/>
+                  <a:t> by </a:t>
+                </a:r>
+                <a:r>
+                  <a:rPr lang="en-US" sz="2400" i="1" dirty="0"/>
+                  <a:t>e</a:t>
+                </a:r>
+                <a:r>
+                  <a:rPr lang="en-US" sz="2400" dirty="0"/>
+                  <a:t> gives a new tree </a:t>
+                </a:r>
+                <a14:m>
+                  <m:oMath xmlns:m="http://schemas.openxmlformats.org/officeDocument/2006/math">
+                    <m:r>
+                      <a:rPr lang="en-US" sz="2400" b="0" i="1" smtClean="0">
+                        <a:latin typeface="Cambria Math"/>
+                      </a:rPr>
+                      <m:t>𝐵</m:t>
+                    </m:r>
+                    <m:r>
+                      <a:rPr lang="en-US" sz="2400" b="0" i="1" smtClean="0">
+                        <a:latin typeface="Cambria Math"/>
+                      </a:rPr>
+                      <m:t>=</m:t>
+                    </m:r>
+                    <m:r>
+                      <a:rPr lang="en-US" sz="2400" b="0" i="1" smtClean="0">
+                        <a:latin typeface="Cambria Math"/>
+                      </a:rPr>
+                      <m:t>𝐴</m:t>
+                    </m:r>
+                    <m:r>
+                      <a:rPr lang="en-US" sz="2400" b="0" i="1" smtClean="0">
+                        <a:latin typeface="Cambria Math"/>
+                      </a:rPr>
+                      <m:t> −</m:t>
+                    </m:r>
+                    <m:d>
+                      <m:dPr>
+                        <m:begChr m:val="{"/>
+                        <m:endChr m:val="}"/>
+                        <m:ctrlPr>
+                          <a:rPr lang="en-US" sz="2400" b="0" i="1" smtClean="0">
+                            <a:latin typeface="Cambria Math" panose="02040503050406030204" pitchFamily="18" charset="0"/>
+                          </a:rPr>
+                        </m:ctrlPr>
+                      </m:dPr>
+                      <m:e>
+                        <m:r>
+                          <a:rPr lang="en-US" sz="2400" b="0" i="1" smtClean="0">
+                            <a:latin typeface="Cambria Math"/>
+                          </a:rPr>
+                          <m:t>𝑒</m:t>
+                        </m:r>
+                        <m:r>
+                          <a:rPr lang="en-US" sz="2400" b="0" i="1" smtClean="0">
+                            <a:latin typeface="Cambria Math"/>
+                          </a:rPr>
+                          <m:t>′</m:t>
+                        </m:r>
+                      </m:e>
+                    </m:d>
+                    <m:r>
+                      <a:rPr lang="en-US" sz="2400" b="0" i="1" smtClean="0">
+                        <a:latin typeface="Cambria Math"/>
+                      </a:rPr>
+                      <m:t>+</m:t>
+                    </m:r>
+                    <m:d>
+                      <m:dPr>
+                        <m:begChr m:val="{"/>
+                        <m:endChr m:val="}"/>
+                        <m:ctrlPr>
+                          <a:rPr lang="en-US" sz="2400" b="0" i="1" smtClean="0">
+                            <a:latin typeface="Cambria Math" panose="02040503050406030204" pitchFamily="18" charset="0"/>
+                          </a:rPr>
+                        </m:ctrlPr>
+                      </m:dPr>
+                      <m:e>
+                        <m:r>
+                          <a:rPr lang="en-US" sz="2400" b="0" i="1" smtClean="0">
+                            <a:latin typeface="Cambria Math"/>
+                          </a:rPr>
+                          <m:t>𝑒</m:t>
+                        </m:r>
+                      </m:e>
+                    </m:d>
+                    <m:r>
+                      <a:rPr lang="en-US" sz="2400" b="0" i="1" smtClean="0">
+                        <a:latin typeface="Cambria Math"/>
+                      </a:rPr>
+                      <m:t> </m:t>
+                    </m:r>
+                  </m:oMath>
+                </a14:m>
+                <a:r>
+                  <a:rPr lang="en-US" sz="2400" dirty="0"/>
+                  <a:t>such that </a:t>
+                </a:r>
+                <a14:m>
+                  <m:oMath xmlns:m="http://schemas.openxmlformats.org/officeDocument/2006/math">
+                    <m:r>
+                      <a:rPr lang="en-US" sz="2400" i="1" dirty="0">
+                        <a:latin typeface="Cambria Math"/>
+                      </a:rPr>
+                      <m:t>𝑤𝑒𝑖𝑔h𝑡</m:t>
+                    </m:r>
+                    <m:d>
+                      <m:dPr>
+                        <m:ctrlPr>
+                          <a:rPr lang="en-US" sz="2400" i="1" dirty="0">
+                            <a:latin typeface="Cambria Math" panose="02040503050406030204" pitchFamily="18" charset="0"/>
+                          </a:rPr>
+                        </m:ctrlPr>
+                      </m:dPr>
+                      <m:e>
+                        <m:r>
+                          <a:rPr lang="en-US" sz="2400" b="0" i="1" dirty="0" smtClean="0">
+                            <a:latin typeface="Cambria Math"/>
+                          </a:rPr>
+                          <m:t>𝐵</m:t>
+                        </m:r>
+                      </m:e>
+                    </m:d>
+                    <m:r>
+                      <a:rPr lang="en-US" sz="2400" i="1" dirty="0">
+                        <a:latin typeface="Cambria Math"/>
+                      </a:rPr>
+                      <m:t>≤</m:t>
+                    </m:r>
+                    <m:r>
+                      <a:rPr lang="en-US" sz="2400" i="1" dirty="0">
+                        <a:latin typeface="Cambria Math"/>
+                      </a:rPr>
+                      <m:t>𝑤𝑒𝑖𝑔h𝑡</m:t>
+                    </m:r>
+                    <m:d>
+                      <m:dPr>
+                        <m:ctrlPr>
+                          <a:rPr lang="en-US" sz="2400" i="1" dirty="0">
+                            <a:latin typeface="Cambria Math" panose="02040503050406030204" pitchFamily="18" charset="0"/>
+                          </a:rPr>
+                        </m:ctrlPr>
+                      </m:dPr>
+                      <m:e>
+                        <m:r>
+                          <a:rPr lang="en-US" sz="2400" b="0" i="1" dirty="0" smtClean="0">
+                            <a:latin typeface="Cambria Math"/>
+                          </a:rPr>
+                          <m:t>𝐴</m:t>
+                        </m:r>
+                      </m:e>
+                    </m:d>
+                  </m:oMath>
+                </a14:m>
+                <a:r>
+                  <a:rPr lang="en-US" sz="2400" dirty="0"/>
+                  <a:t>. </a:t>
+                </a:r>
+              </a:p>
+              <a:p>
+                <a14:m>
+                  <m:oMath xmlns:m="http://schemas.openxmlformats.org/officeDocument/2006/math">
+                    <m:r>
+                      <a:rPr lang="en-US" sz="2400" b="0" i="1" smtClean="0">
+                        <a:latin typeface="Cambria Math"/>
+                      </a:rPr>
+                      <m:t>𝑇</m:t>
+                    </m:r>
+                    <m:r>
+                      <a:rPr lang="en-US" sz="2400" b="0" i="1" smtClean="0">
+                        <a:latin typeface="Cambria Math"/>
+                      </a:rPr>
+                      <m:t>∪</m:t>
+                    </m:r>
+                    <m:d>
+                      <m:dPr>
+                        <m:begChr m:val="{"/>
+                        <m:endChr m:val="}"/>
+                        <m:ctrlPr>
+                          <a:rPr lang="en-US" sz="2400" b="0" i="1" smtClean="0">
+                            <a:latin typeface="Cambria Math" panose="02040503050406030204" pitchFamily="18" charset="0"/>
+                          </a:rPr>
+                        </m:ctrlPr>
+                      </m:dPr>
+                      <m:e>
+                        <m:r>
+                          <a:rPr lang="en-US" sz="2400" b="0" i="1" smtClean="0">
+                            <a:latin typeface="Cambria Math"/>
+                          </a:rPr>
+                          <m:t>𝑒</m:t>
+                        </m:r>
+                      </m:e>
+                    </m:d>
+                    <m:r>
+                      <a:rPr lang="en-US" sz="2400" b="0" i="1" smtClean="0">
+                        <a:latin typeface="Cambria Math"/>
+                      </a:rPr>
+                      <m:t>⊆</m:t>
+                    </m:r>
+                    <m:r>
+                      <a:rPr lang="en-US" sz="2400" b="0" i="1" smtClean="0">
+                        <a:latin typeface="Cambria Math"/>
+                      </a:rPr>
+                      <m:t>𝐵</m:t>
+                    </m:r>
+                  </m:oMath>
+                </a14:m>
+                <a:r>
+                  <a:rPr lang="en-US" sz="2400" dirty="0"/>
+                  <a:t>. So </a:t>
+                </a:r>
+                <a14:m>
+                  <m:oMath xmlns:m="http://schemas.openxmlformats.org/officeDocument/2006/math">
+                    <m:r>
+                      <a:rPr lang="en-US" sz="2400" i="1">
+                        <a:latin typeface="Cambria Math"/>
+                      </a:rPr>
+                      <m:t>𝑇</m:t>
+                    </m:r>
+                    <m:r>
+                      <a:rPr lang="en-US" sz="2400" i="1">
+                        <a:latin typeface="Cambria Math"/>
+                      </a:rPr>
+                      <m:t>∪</m:t>
+                    </m:r>
+                    <m:d>
+                      <m:dPr>
+                        <m:begChr m:val="{"/>
+                        <m:endChr m:val="}"/>
+                        <m:ctrlPr>
+                          <a:rPr lang="en-US" sz="2400" i="1">
+                            <a:latin typeface="Cambria Math" panose="02040503050406030204" pitchFamily="18" charset="0"/>
+                          </a:rPr>
+                        </m:ctrlPr>
+                      </m:dPr>
+                      <m:e>
+                        <m:r>
+                          <a:rPr lang="en-US" sz="2400" i="1">
+                            <a:latin typeface="Cambria Math"/>
+                          </a:rPr>
+                          <m:t>𝑒</m:t>
+                        </m:r>
+                      </m:e>
+                    </m:d>
+                  </m:oMath>
+                </a14:m>
+                <a:r>
+                  <a:rPr lang="en-US" sz="2400" dirty="0"/>
+                  <a:t> is also a </a:t>
+                </a:r>
+                <a:r>
+                  <a:rPr lang="en-US" sz="2400" dirty="0" err="1"/>
+                  <a:t>subtree</a:t>
+                </a:r>
+                <a:r>
+                  <a:rPr lang="en-US" sz="2400" dirty="0"/>
+                  <a:t> of some MST. </a:t>
+                </a:r>
+              </a:p>
+              <a:p>
+                <a:r>
+                  <a:rPr lang="en-US" sz="2400" dirty="0"/>
+                  <a:t>Done. </a:t>
+                </a:r>
+              </a:p>
+              <a:p>
+                <a:endParaRPr lang="en-US" dirty="0"/>
+              </a:p>
+            </p:txBody>
+          </p:sp>
+        </mc:Choice>
+        <mc:Fallback>
+          <p:sp>
+            <p:nvSpPr>
+              <p:cNvPr id="3" name="Content Placeholder 2">
+                <a:extLst>
+                  <a:ext uri="{FF2B5EF4-FFF2-40B4-BE49-F238E27FC236}">
+                    <a16:creationId xmlns:a16="http://schemas.microsoft.com/office/drawing/2014/main" id="{9B97946F-9314-4BCE-A937-8BB99D5E5D1B}"/>
+                  </a:ext>
+                </a:extLst>
+              </p:cNvPr>
+              <p:cNvSpPr>
+                <a:spLocks noGrp="1" noRot="1" noChangeAspect="1" noMove="1" noResize="1" noEditPoints="1" noAdjustHandles="1" noChangeArrowheads="1" noChangeShapeType="1" noTextEdit="1"/>
+              </p:cNvSpPr>
+              <p:nvPr>
+                <p:ph sz="quarter" idx="1"/>
+              </p:nvPr>
+            </p:nvSpPr>
+            <p:spPr>
+              <a:blipFill>
+                <a:blip r:embed="rId2"/>
+                <a:stretch>
+                  <a:fillRect l="-519" t="-988"/>
+                </a:stretch>
+              </a:blipFill>
+            </p:spPr>
+            <p:txBody>
+              <a:bodyPr/>
+              <a:lstStyle/>
+              <a:p>
+                <a:r>
+                  <a:rPr lang="en-US">
+                    <a:noFill/>
+                  </a:rPr>
+                  <a:t> </a:t>
+                </a:r>
+              </a:p>
+            </p:txBody>
+          </p:sp>
+        </mc:Fallback>
+      </mc:AlternateContent>
+    </p:spTree>
+    <p:extLst>
+      <p:ext uri="{BB962C8B-B14F-4D97-AF65-F5344CB8AC3E}">
+        <p14:creationId xmlns:p14="http://schemas.microsoft.com/office/powerpoint/2010/main" val="11293348"/>
+      </p:ext>
+    </p:extLst>
+  </p:cSld>
+  <p:clrMapOvr>
+    <a:masterClrMapping/>
+  </p:clrMapOvr>
+  <p:timing>
+    <p:tnLst>
+      <p:par>
+        <p:cTn id="1" dur="indefinite" restart="never" nodeType="tmRoot">
+          <p:childTnLst>
+            <p:seq concurrent="1" nextAc="seek">
+              <p:cTn id="2" dur="indefinite" nodeType="mainSeq">
+                <p:childTnLst>
+                  <p:par>
+                    <p:cTn id="3" fill="hold">
+                      <p:stCondLst>
+                        <p:cond delay="indefinite"/>
+                      </p:stCondLst>
+                      <p:childTnLst>
+                        <p:par>
+                          <p:cTn id="4" fill="hold">
+                            <p:stCondLst>
+                              <p:cond delay="0"/>
+                            </p:stCondLst>
+                            <p:childTnLst>
+                              <p:par>
+                                <p:cTn id="5" presetID="1" presetClass="entr" presetSubtype="0" fill="hold" nodeType="clickEffect">
+                                  <p:stCondLst>
+                                    <p:cond delay="0"/>
+                                  </p:stCondLst>
+                                  <p:childTnLst>
+                                    <p:set>
+                                      <p:cBhvr>
+                                        <p:cTn id="6" dur="1" fill="hold">
+                                          <p:stCondLst>
+                                            <p:cond delay="0"/>
+                                          </p:stCondLst>
+                                        </p:cTn>
+                                        <p:tgtEl>
+                                          <p:spTgt spid="3">
+                                            <p:txEl>
+                                              <p:pRg st="0" end="0"/>
+                                            </p:txEl>
+                                          </p:spTgt>
+                                        </p:tgtEl>
+                                        <p:attrNameLst>
+                                          <p:attrName>style.visibility</p:attrName>
+                                        </p:attrNameLst>
+                                      </p:cBhvr>
+                                      <p:to>
+                                        <p:strVal val="visible"/>
+                                      </p:to>
+                                    </p:set>
+                                  </p:childTnLst>
+                                </p:cTn>
+                              </p:par>
+                              <p:par>
+                                <p:cTn id="7" presetID="1" presetClass="entr" presetSubtype="0" fill="hold" nodeType="withEffect">
+                                  <p:stCondLst>
+                                    <p:cond delay="0"/>
+                                  </p:stCondLst>
+                                  <p:childTnLst>
+                                    <p:set>
+                                      <p:cBhvr>
+                                        <p:cTn id="8" dur="1" fill="hold">
+                                          <p:stCondLst>
+                                            <p:cond delay="0"/>
+                                          </p:stCondLst>
+                                        </p:cTn>
+                                        <p:tgtEl>
+                                          <p:spTgt spid="3">
+                                            <p:txEl>
+                                              <p:pRg st="1" end="1"/>
+                                            </p:txEl>
+                                          </p:spTgt>
+                                        </p:tgtEl>
+                                        <p:attrNameLst>
+                                          <p:attrName>style.visibility</p:attrName>
+                                        </p:attrNameLst>
+                                      </p:cBhvr>
+                                      <p:to>
+                                        <p:strVal val="visible"/>
+                                      </p:to>
+                                    </p:set>
+                                  </p:childTnLst>
+                                </p:cTn>
+                              </p:par>
+                              <p:par>
+                                <p:cTn id="9" presetID="1" presetClass="entr" presetSubtype="0" fill="hold" nodeType="withEffect">
+                                  <p:stCondLst>
+                                    <p:cond delay="0"/>
+                                  </p:stCondLst>
+                                  <p:childTnLst>
+                                    <p:set>
+                                      <p:cBhvr>
+                                        <p:cTn id="10" dur="1" fill="hold">
+                                          <p:stCondLst>
+                                            <p:cond delay="0"/>
+                                          </p:stCondLst>
+                                        </p:cTn>
+                                        <p:tgtEl>
+                                          <p:spTgt spid="3">
+                                            <p:txEl>
+                                              <p:pRg st="2" end="2"/>
+                                            </p:txEl>
+                                          </p:spTgt>
+                                        </p:tgtEl>
+                                        <p:attrNameLst>
+                                          <p:attrName>style.visibility</p:attrName>
+                                        </p:attrNameLst>
+                                      </p:cBhvr>
+                                      <p:to>
+                                        <p:strVal val="visible"/>
+                                      </p:to>
+                                    </p:set>
+                                  </p:childTnLst>
+                                </p:cTn>
+                              </p:par>
+                              <p:par>
+                                <p:cTn id="11" presetID="1" presetClass="entr" presetSubtype="0" fill="hold" nodeType="withEffect">
+                                  <p:stCondLst>
+                                    <p:cond delay="0"/>
+                                  </p:stCondLst>
+                                  <p:childTnLst>
+                                    <p:set>
+                                      <p:cBhvr>
+                                        <p:cTn id="12" dur="1" fill="hold">
+                                          <p:stCondLst>
+                                            <p:cond delay="0"/>
+                                          </p:stCondLst>
+                                        </p:cTn>
+                                        <p:tgtEl>
+                                          <p:spTgt spid="3">
+                                            <p:txEl>
+                                              <p:pRg st="3" end="3"/>
+                                            </p:txEl>
+                                          </p:spTgt>
+                                        </p:tgtEl>
+                                        <p:attrNameLst>
+                                          <p:attrName>style.visibility</p:attrName>
+                                        </p:attrNameLst>
+                                      </p:cBhvr>
+                                      <p:to>
+                                        <p:strVal val="visible"/>
+                                      </p:to>
+                                    </p:set>
+                                  </p:childTnLst>
+                                </p:cTn>
+                              </p:par>
+                              <p:par>
+                                <p:cTn id="13" presetID="1" presetClass="entr" presetSubtype="0" fill="hold" nodeType="withEffect">
+                                  <p:stCondLst>
+                                    <p:cond delay="0"/>
+                                  </p:stCondLst>
+                                  <p:childTnLst>
+                                    <p:set>
+                                      <p:cBhvr>
+                                        <p:cTn id="14" dur="1" fill="hold">
+                                          <p:stCondLst>
+                                            <p:cond delay="0"/>
+                                          </p:stCondLst>
+                                        </p:cTn>
+                                        <p:tgtEl>
+                                          <p:spTgt spid="3">
+                                            <p:txEl>
+                                              <p:pRg st="4" end="4"/>
+                                            </p:txEl>
+                                          </p:spTgt>
+                                        </p:tgtEl>
+                                        <p:attrNameLst>
+                                          <p:attrName>style.visibility</p:attrName>
+                                        </p:attrNameLst>
+                                      </p:cBhvr>
+                                      <p:to>
+                                        <p:strVal val="visible"/>
+                                      </p:to>
+                                    </p:set>
+                                  </p:childTnLst>
+                                </p:cTn>
+                              </p:par>
+                              <p:par>
+                                <p:cTn id="15" presetID="1" presetClass="entr" presetSubtype="0" fill="hold" nodeType="withEffect">
+                                  <p:stCondLst>
+                                    <p:cond delay="0"/>
+                                  </p:stCondLst>
+                                  <p:childTnLst>
+                                    <p:set>
+                                      <p:cBhvr>
+                                        <p:cTn id="16" dur="1" fill="hold">
+                                          <p:stCondLst>
+                                            <p:cond delay="0"/>
+                                          </p:stCondLst>
+                                        </p:cTn>
+                                        <p:tgtEl>
+                                          <p:spTgt spid="3">
+                                            <p:txEl>
+                                              <p:pRg st="5" end="5"/>
+                                            </p:txEl>
+                                          </p:spTgt>
+                                        </p:tgtEl>
+                                        <p:attrNameLst>
+                                          <p:attrName>style.visibility</p:attrName>
+                                        </p:attrNameLst>
+                                      </p:cBhvr>
+                                      <p:to>
+                                        <p:strVal val="visible"/>
+                                      </p:to>
+                                    </p:set>
+                                  </p:childTnLst>
+                                </p:cTn>
+                              </p:par>
+                              <p:par>
+                                <p:cTn id="17" presetID="1" presetClass="entr" presetSubtype="0" fill="hold" nodeType="withEffect">
+                                  <p:stCondLst>
+                                    <p:cond delay="0"/>
+                                  </p:stCondLst>
+                                  <p:childTnLst>
+                                    <p:set>
+                                      <p:cBhvr>
+                                        <p:cTn id="18" dur="1" fill="hold">
+                                          <p:stCondLst>
+                                            <p:cond delay="0"/>
+                                          </p:stCondLst>
+                                        </p:cTn>
+                                        <p:tgtEl>
+                                          <p:spTgt spid="3">
+                                            <p:txEl>
+                                              <p:pRg st="6" end="6"/>
+                                            </p:txEl>
+                                          </p:spTgt>
+                                        </p:tgtEl>
+                                        <p:attrNameLst>
+                                          <p:attrName>style.visibility</p:attrName>
+                                        </p:attrNameLst>
+                                      </p:cBhvr>
+                                      <p:to>
+                                        <p:strVal val="visible"/>
+                                      </p:to>
+                                    </p:set>
+                                  </p:childTnLst>
+                                </p:cTn>
+                              </p:par>
+                            </p:childTnLst>
+                          </p:cTn>
+                        </p:par>
+                      </p:childTnLst>
+                    </p:cTn>
+                  </p:par>
+                </p:childTnLst>
+              </p:cTn>
+              <p:prevCondLst>
+                <p:cond evt="onPrev" delay="0">
+                  <p:tgtEl>
+                    <p:sldTgt/>
+                  </p:tgtEl>
+                </p:cond>
+              </p:prevCondLst>
+              <p:nextCondLst>
+                <p:cond evt="onNext" delay="0">
+                  <p:tgtEl>
+                    <p:sldTgt/>
+                  </p:tgtEl>
+                </p:cond>
+              </p:nextCondLst>
+            </p:seq>
+          </p:childTnLst>
+        </p:cTn>
+      </p:par>
+    </p:tnLst>
+  </p:timing>
+</p:sld>
+</file>
+
+<file path=ppt/slides/slide25.xml><?xml version="1.0" encoding="utf-8"?>
+<p:sld xmlns:a="http://schemas.openxmlformats.org/drawingml/2006/main" xmlns:r="http://schemas.openxmlformats.org/officeDocument/2006/relationships" xmlns:p="http://schemas.openxmlformats.org/presentationml/2006/main">
+  <p:cSld>
+    <p:spTree>
+      <p:nvGrpSpPr>
+        <p:cNvPr id="1" name=""/>
+        <p:cNvGrpSpPr/>
+        <p:nvPr/>
+      </p:nvGrpSpPr>
+      <p:grpSpPr>
+        <a:xfrm>
+          <a:off x="0" y="0"/>
+          <a:ext cx="0" cy="0"/>
+          <a:chOff x="0" y="0"/>
+          <a:chExt cx="0" cy="0"/>
+        </a:xfrm>
+      </p:grpSpPr>
+      <p:sp>
+        <p:nvSpPr>
+          <p:cNvPr id="2" name="Title 1">
+            <a:extLst>
+              <a:ext uri="{FF2B5EF4-FFF2-40B4-BE49-F238E27FC236}">
                 <a16:creationId xmlns:a16="http://schemas.microsoft.com/office/drawing/2014/main" id="{764AD14C-6D94-4048-8030-AF3B00C6ADBA}"/>
               </a:ext>
             </a:extLst>
@@ -16100,7 +17080,7 @@
 </p:sld>
 </file>
 
-<file path=ppt/slides/slide25.xml><?xml version="1.0" encoding="utf-8"?>
+<file path=ppt/slides/slide26.xml><?xml version="1.0" encoding="utf-8"?>
 <p:sld xmlns:a="http://schemas.openxmlformats.org/drawingml/2006/main" xmlns:r="http://schemas.openxmlformats.org/officeDocument/2006/relationships" xmlns:p="http://schemas.openxmlformats.org/presentationml/2006/main">
   <p:cSld>
     <p:spTree>
@@ -16822,7 +17802,7 @@
 </p:sld>
 </file>
 
-<file path=ppt/slides/slide26.xml><?xml version="1.0" encoding="utf-8"?>
+<file path=ppt/slides/slide27.xml><?xml version="1.0" encoding="utf-8"?>
 <p:sld xmlns:a="http://schemas.openxmlformats.org/drawingml/2006/main" xmlns:r="http://schemas.openxmlformats.org/officeDocument/2006/relationships" xmlns:p="http://schemas.openxmlformats.org/presentationml/2006/main">
   <p:cSld>
     <p:spTree>
@@ -17114,7 +18094,7 @@
 </p:sld>
 </file>
 
-<file path=ppt/slides/slide27.xml><?xml version="1.0" encoding="utf-8"?>
+<file path=ppt/slides/slide28.xml><?xml version="1.0" encoding="utf-8"?>
 <p:sld xmlns:a="http://schemas.openxmlformats.org/drawingml/2006/main" xmlns:r="http://schemas.openxmlformats.org/officeDocument/2006/relationships" xmlns:p="http://schemas.openxmlformats.org/presentationml/2006/main">
   <p:cSld>
     <p:spTree>
@@ -17133,10 +18113,10 @@
       </p:grpSpPr>
       <p:pic>
         <p:nvPicPr>
-          <p:cNvPr id="4" name="Picture 3">
+          <p:cNvPr id="5" name="Picture 4">
             <a:extLst>
               <a:ext uri="{FF2B5EF4-FFF2-40B4-BE49-F238E27FC236}">
-                <a16:creationId xmlns:a16="http://schemas.microsoft.com/office/drawing/2014/main" id="{1307782E-7087-4D72-BCA3-426374409556}"/>
+                <a16:creationId xmlns:a16="http://schemas.microsoft.com/office/drawing/2014/main" id="{CC5CECD4-6DD1-4387-81A1-1D9A8BAE8BF2}"/>
               </a:ext>
             </a:extLst>
           </p:cNvPr>
@@ -17153,17 +18133,12 @@
         </p:blipFill>
         <p:spPr>
           <a:xfrm>
-            <a:off x="704850" y="1257300"/>
-            <a:ext cx="7734300" cy="5295900"/>
+            <a:off x="685800" y="1228725"/>
+            <a:ext cx="7772400" cy="5324475"/>
           </a:xfrm>
           <a:prstGeom prst="rect">
             <a:avLst/>
           </a:prstGeom>
-          <a:ln w="12700">
-            <a:solidFill>
-              <a:schemeClr val="tx1"/>
-            </a:solidFill>
-          </a:ln>
         </p:spPr>
       </p:pic>
       <p:sp>
@@ -17423,7 +18398,489 @@
 </p:sld>
 </file>
 
-<file path=ppt/slides/slide28.xml><?xml version="1.0" encoding="utf-8"?>
+<file path=ppt/slides/slide29.xml><?xml version="1.0" encoding="utf-8"?>
+<p:sld xmlns:a="http://schemas.openxmlformats.org/drawingml/2006/main" xmlns:r="http://schemas.openxmlformats.org/officeDocument/2006/relationships" xmlns:p="http://schemas.openxmlformats.org/presentationml/2006/main">
+  <p:cSld>
+    <p:spTree>
+      <p:nvGrpSpPr>
+        <p:cNvPr id="1" name=""/>
+        <p:cNvGrpSpPr/>
+        <p:nvPr/>
+      </p:nvGrpSpPr>
+      <p:grpSpPr>
+        <a:xfrm>
+          <a:off x="0" y="0"/>
+          <a:ext cx="0" cy="0"/>
+          <a:chOff x="0" y="0"/>
+          <a:chExt cx="0" cy="0"/>
+        </a:xfrm>
+      </p:grpSpPr>
+      <p:sp>
+        <p:nvSpPr>
+          <p:cNvPr id="2" name="Title 1">
+            <a:extLst>
+              <a:ext uri="{FF2B5EF4-FFF2-40B4-BE49-F238E27FC236}">
+                <a16:creationId xmlns:a16="http://schemas.microsoft.com/office/drawing/2014/main" id="{03A51F0F-264C-4772-9AC7-73AEA4EC50AB}"/>
+              </a:ext>
+            </a:extLst>
+          </p:cNvPr>
+          <p:cNvSpPr>
+            <a:spLocks noGrp="1"/>
+          </p:cNvSpPr>
+          <p:nvPr>
+            <p:ph type="title"/>
+          </p:nvPr>
+        </p:nvSpPr>
+        <p:spPr/>
+        <p:txBody>
+          <a:bodyPr/>
+          <a:lstStyle/>
+          <a:p>
+            <a:endParaRPr lang="en-US"/>
+          </a:p>
+        </p:txBody>
+      </p:sp>
+      <mc:AlternateContent xmlns:mc="http://schemas.openxmlformats.org/markup-compatibility/2006">
+        <mc:Choice xmlns:a14="http://schemas.microsoft.com/office/drawing/2010/main" Requires="a14">
+          <p:sp>
+            <p:nvSpPr>
+              <p:cNvPr id="3" name="Content Placeholder 2">
+                <a:extLst>
+                  <a:ext uri="{FF2B5EF4-FFF2-40B4-BE49-F238E27FC236}">
+                    <a16:creationId xmlns:a16="http://schemas.microsoft.com/office/drawing/2014/main" id="{6AAD33B3-1FB1-4E89-90E6-719FCC6A5EBF}"/>
+                  </a:ext>
+                </a:extLst>
+              </p:cNvPr>
+              <p:cNvSpPr>
+                <a:spLocks noGrp="1"/>
+              </p:cNvSpPr>
+              <p:nvPr>
+                <p:ph sz="quarter" idx="1"/>
+              </p:nvPr>
+            </p:nvSpPr>
+            <p:spPr/>
+            <p:txBody>
+              <a:bodyPr/>
+              <a:lstStyle/>
+              <a:p>
+                <a:r>
+                  <a:rPr lang="en-US" dirty="0"/>
+                  <a:t>If we use linear scan to find the outside node with minimum cost for Line 6 in the algorithm in previous slide, then the entire algorithm </a:t>
+                </a:r>
+                <a:r>
+                  <a:rPr lang="en-US" dirty="0" err="1"/>
+                  <a:t>taks</a:t>
+                </a:r>
+                <a:r>
+                  <a:rPr lang="en-US" dirty="0"/>
+                  <a:t> </a:t>
+                </a:r>
+                <a14:m>
+                  <m:oMath xmlns:m="http://schemas.openxmlformats.org/officeDocument/2006/math">
+                    <m:r>
+                      <a:rPr lang="en-US" b="0" i="1" smtClean="0">
+                        <a:latin typeface="Cambria Math" panose="02040503050406030204" pitchFamily="18" charset="0"/>
+                      </a:rPr>
+                      <m:t>𝑂</m:t>
+                    </m:r>
+                    <m:d>
+                      <m:dPr>
+                        <m:ctrlPr>
+                          <a:rPr lang="en-US" b="0" i="1" smtClean="0">
+                            <a:latin typeface="Cambria Math" panose="02040503050406030204" pitchFamily="18" charset="0"/>
+                          </a:rPr>
+                        </m:ctrlPr>
+                      </m:dPr>
+                      <m:e>
+                        <m:r>
+                          <a:rPr lang="en-US" b="0" i="1" smtClean="0">
+                            <a:latin typeface="Cambria Math" panose="02040503050406030204" pitchFamily="18" charset="0"/>
+                          </a:rPr>
+                          <m:t>𝑉𝐸</m:t>
+                        </m:r>
+                      </m:e>
+                    </m:d>
+                  </m:oMath>
+                </a14:m>
+                <a:r>
+                  <a:rPr lang="en-US" dirty="0"/>
+                  <a:t> time. </a:t>
+                </a:r>
+              </a:p>
+              <a:p>
+                <a:pPr lvl="1"/>
+                <a:r>
+                  <a:rPr lang="en-US" dirty="0"/>
+                  <a:t>Line 6 takes </a:t>
+                </a:r>
+                <a14:m>
+                  <m:oMath xmlns:m="http://schemas.openxmlformats.org/officeDocument/2006/math">
+                    <m:r>
+                      <a:rPr lang="en-US" b="0" i="1" smtClean="0">
+                        <a:latin typeface="Cambria Math" panose="02040503050406030204" pitchFamily="18" charset="0"/>
+                      </a:rPr>
+                      <m:t>𝑂</m:t>
+                    </m:r>
+                    <m:d>
+                      <m:dPr>
+                        <m:ctrlPr>
+                          <a:rPr lang="en-US" b="0" i="1" smtClean="0">
+                            <a:latin typeface="Cambria Math" panose="02040503050406030204" pitchFamily="18" charset="0"/>
+                          </a:rPr>
+                        </m:ctrlPr>
+                      </m:dPr>
+                      <m:e>
+                        <m:r>
+                          <a:rPr lang="en-US" b="0" i="1" smtClean="0">
+                            <a:latin typeface="Cambria Math" panose="02040503050406030204" pitchFamily="18" charset="0"/>
+                          </a:rPr>
+                          <m:t>𝑉</m:t>
+                        </m:r>
+                      </m:e>
+                    </m:d>
+                  </m:oMath>
+                </a14:m>
+                <a:r>
+                  <a:rPr lang="en-US" dirty="0"/>
+                  <a:t> time</a:t>
+                </a:r>
+              </a:p>
+              <a:p>
+                <a:pPr lvl="1"/>
+                <a:r>
+                  <a:rPr lang="en-US" dirty="0"/>
+                  <a:t>Lines  8-13 takes </a:t>
+                </a:r>
+                <a14:m>
+                  <m:oMath xmlns:m="http://schemas.openxmlformats.org/officeDocument/2006/math">
+                    <m:r>
+                      <m:rPr>
+                        <m:sty m:val="p"/>
+                      </m:rPr>
+                      <a:rPr lang="en-US" b="0" i="0" smtClean="0">
+                        <a:latin typeface="Cambria Math" panose="02040503050406030204" pitchFamily="18" charset="0"/>
+                      </a:rPr>
+                      <m:t>Θ</m:t>
+                    </m:r>
+                    <m:d>
+                      <m:dPr>
+                        <m:ctrlPr>
+                          <a:rPr lang="en-US" b="0" i="1" smtClean="0">
+                            <a:latin typeface="Cambria Math" panose="02040503050406030204" pitchFamily="18" charset="0"/>
+                          </a:rPr>
+                        </m:ctrlPr>
+                      </m:dPr>
+                      <m:e>
+                        <m:func>
+                          <m:funcPr>
+                            <m:ctrlPr>
+                              <a:rPr lang="en-US" b="0" i="1" smtClean="0">
+                                <a:latin typeface="Cambria Math" panose="02040503050406030204" pitchFamily="18" charset="0"/>
+                              </a:rPr>
+                            </m:ctrlPr>
+                          </m:funcPr>
+                          <m:fName>
+                            <m:r>
+                              <m:rPr>
+                                <m:sty m:val="p"/>
+                              </m:rPr>
+                              <a:rPr lang="en-US" b="0" i="0" smtClean="0">
+                                <a:latin typeface="Cambria Math" panose="02040503050406030204" pitchFamily="18" charset="0"/>
+                              </a:rPr>
+                              <m:t>deg</m:t>
+                            </m:r>
+                          </m:fName>
+                          <m:e>
+                            <m:d>
+                              <m:dPr>
+                                <m:ctrlPr>
+                                  <a:rPr lang="en-US" b="0" i="1" smtClean="0">
+                                    <a:latin typeface="Cambria Math" panose="02040503050406030204" pitchFamily="18" charset="0"/>
+                                  </a:rPr>
+                                </m:ctrlPr>
+                              </m:dPr>
+                              <m:e>
+                                <m:sSub>
+                                  <m:sSubPr>
+                                    <m:ctrlPr>
+                                      <a:rPr lang="en-US" b="0" i="1" smtClean="0">
+                                        <a:latin typeface="Cambria Math" panose="02040503050406030204" pitchFamily="18" charset="0"/>
+                                      </a:rPr>
+                                    </m:ctrlPr>
+                                  </m:sSubPr>
+                                  <m:e>
+                                    <m:r>
+                                      <a:rPr lang="en-US" b="0" i="1" smtClean="0">
+                                        <a:latin typeface="Cambria Math" panose="02040503050406030204" pitchFamily="18" charset="0"/>
+                                      </a:rPr>
+                                      <m:t>𝑣</m:t>
+                                    </m:r>
+                                  </m:e>
+                                  <m:sub>
+                                    <m:r>
+                                      <a:rPr lang="en-US" b="0" i="1" smtClean="0">
+                                        <a:latin typeface="Cambria Math" panose="02040503050406030204" pitchFamily="18" charset="0"/>
+                                      </a:rPr>
+                                      <m:t>𝑗</m:t>
+                                    </m:r>
+                                  </m:sub>
+                                </m:sSub>
+                              </m:e>
+                            </m:d>
+                          </m:e>
+                        </m:func>
+                      </m:e>
+                    </m:d>
+                    <m:r>
+                      <a:rPr lang="en-US" b="0" i="1" smtClean="0">
+                        <a:latin typeface="Cambria Math" panose="02040503050406030204" pitchFamily="18" charset="0"/>
+                      </a:rPr>
+                      <m:t>=</m:t>
+                    </m:r>
+                    <m:r>
+                      <a:rPr lang="en-US" b="0" i="1" smtClean="0">
+                        <a:latin typeface="Cambria Math" panose="02040503050406030204" pitchFamily="18" charset="0"/>
+                      </a:rPr>
+                      <m:t>𝑂</m:t>
+                    </m:r>
+                    <m:r>
+                      <a:rPr lang="en-US" b="0" i="1" smtClean="0">
+                        <a:latin typeface="Cambria Math" panose="02040503050406030204" pitchFamily="18" charset="0"/>
+                      </a:rPr>
+                      <m:t>(</m:t>
+                    </m:r>
+                    <m:r>
+                      <a:rPr lang="en-US" b="0" i="1" smtClean="0">
+                        <a:latin typeface="Cambria Math" panose="02040503050406030204" pitchFamily="18" charset="0"/>
+                      </a:rPr>
+                      <m:t>𝑉</m:t>
+                    </m:r>
+                    <m:r>
+                      <a:rPr lang="en-US" b="0" i="1" smtClean="0">
+                        <a:latin typeface="Cambria Math" panose="02040503050406030204" pitchFamily="18" charset="0"/>
+                      </a:rPr>
+                      <m:t>)</m:t>
+                    </m:r>
+                  </m:oMath>
+                </a14:m>
+                <a:endParaRPr lang="en-US" dirty="0"/>
+              </a:p>
+              <a:p>
+                <a:pPr lvl="1"/>
+                <a:r>
+                  <a:rPr lang="en-US" dirty="0"/>
+                  <a:t>Hence each iteration of the while-loop takes </a:t>
+                </a:r>
+                <a14:m>
+                  <m:oMath xmlns:m="http://schemas.openxmlformats.org/officeDocument/2006/math">
+                    <m:r>
+                      <a:rPr lang="en-US" b="0" i="1" smtClean="0">
+                        <a:latin typeface="Cambria Math" panose="02040503050406030204" pitchFamily="18" charset="0"/>
+                      </a:rPr>
+                      <m:t>𝑂</m:t>
+                    </m:r>
+                    <m:d>
+                      <m:dPr>
+                        <m:ctrlPr>
+                          <a:rPr lang="en-US" b="0" i="1" smtClean="0">
+                            <a:latin typeface="Cambria Math" panose="02040503050406030204" pitchFamily="18" charset="0"/>
+                          </a:rPr>
+                        </m:ctrlPr>
+                      </m:dPr>
+                      <m:e>
+                        <m:r>
+                          <a:rPr lang="en-US" b="0" i="1" smtClean="0">
+                            <a:latin typeface="Cambria Math" panose="02040503050406030204" pitchFamily="18" charset="0"/>
+                          </a:rPr>
+                          <m:t>𝑉</m:t>
+                        </m:r>
+                      </m:e>
+                    </m:d>
+                  </m:oMath>
+                </a14:m>
+                <a:r>
+                  <a:rPr lang="en-US" dirty="0"/>
+                  <a:t> time</a:t>
+                </a:r>
+              </a:p>
+              <a:p>
+                <a:pPr lvl="1"/>
+                <a:r>
+                  <a:rPr lang="en-US" dirty="0"/>
+                  <a:t>The while-loop runs </a:t>
+                </a:r>
+                <a14:m>
+                  <m:oMath xmlns:m="http://schemas.openxmlformats.org/officeDocument/2006/math">
+                    <m:r>
+                      <a:rPr lang="en-US" b="0" i="1" smtClean="0">
+                        <a:latin typeface="Cambria Math" panose="02040503050406030204" pitchFamily="18" charset="0"/>
+                      </a:rPr>
+                      <m:t>𝑉</m:t>
+                    </m:r>
+                  </m:oMath>
+                </a14:m>
+                <a:r>
+                  <a:rPr lang="en-US" dirty="0"/>
+                  <a:t> iterations</a:t>
+                </a:r>
+              </a:p>
+              <a:p>
+                <a:pPr lvl="1"/>
+                <a:r>
+                  <a:rPr lang="en-US" dirty="0"/>
+                  <a:t>Hence total time complexity is </a:t>
+                </a:r>
+                <a14:m>
+                  <m:oMath xmlns:m="http://schemas.openxmlformats.org/officeDocument/2006/math">
+                    <m:r>
+                      <a:rPr lang="en-US" b="0" i="1" smtClean="0">
+                        <a:latin typeface="Cambria Math" panose="02040503050406030204" pitchFamily="18" charset="0"/>
+                      </a:rPr>
+                      <m:t>𝑂</m:t>
+                    </m:r>
+                    <m:r>
+                      <a:rPr lang="en-US" b="0" i="1" smtClean="0">
+                        <a:latin typeface="Cambria Math" panose="02040503050406030204" pitchFamily="18" charset="0"/>
+                      </a:rPr>
+                      <m:t>(</m:t>
+                    </m:r>
+                    <m:r>
+                      <a:rPr lang="en-US" b="0" i="1" smtClean="0">
+                        <a:latin typeface="Cambria Math" panose="02040503050406030204" pitchFamily="18" charset="0"/>
+                      </a:rPr>
+                      <m:t>𝑉𝐸</m:t>
+                    </m:r>
+                    <m:r>
+                      <a:rPr lang="en-US" b="0" i="1" smtClean="0">
+                        <a:latin typeface="Cambria Math" panose="02040503050406030204" pitchFamily="18" charset="0"/>
+                      </a:rPr>
+                      <m:t>)</m:t>
+                    </m:r>
+                  </m:oMath>
+                </a14:m>
+                <a:endParaRPr lang="en-US" dirty="0"/>
+              </a:p>
+            </p:txBody>
+          </p:sp>
+        </mc:Choice>
+        <mc:Fallback>
+          <p:sp>
+            <p:nvSpPr>
+              <p:cNvPr id="3" name="Content Placeholder 2">
+                <a:extLst>
+                  <a:ext uri="{FF2B5EF4-FFF2-40B4-BE49-F238E27FC236}">
+                    <a16:creationId xmlns:a16="http://schemas.microsoft.com/office/drawing/2014/main" id="{6AAD33B3-1FB1-4E89-90E6-719FCC6A5EBF}"/>
+                  </a:ext>
+                </a:extLst>
+              </p:cNvPr>
+              <p:cNvSpPr>
+                <a:spLocks noGrp="1" noRot="1" noChangeAspect="1" noMove="1" noResize="1" noEditPoints="1" noAdjustHandles="1" noChangeArrowheads="1" noChangeShapeType="1" noTextEdit="1"/>
+              </p:cNvSpPr>
+              <p:nvPr>
+                <p:ph sz="quarter" idx="1"/>
+              </p:nvPr>
+            </p:nvSpPr>
+            <p:spPr>
+              <a:blipFill>
+                <a:blip r:embed="rId2"/>
+                <a:stretch>
+                  <a:fillRect l="-667" t="-1111"/>
+                </a:stretch>
+              </a:blipFill>
+            </p:spPr>
+            <p:txBody>
+              <a:bodyPr/>
+              <a:lstStyle/>
+              <a:p>
+                <a:r>
+                  <a:rPr lang="en-US">
+                    <a:noFill/>
+                  </a:rPr>
+                  <a:t> </a:t>
+                </a:r>
+              </a:p>
+            </p:txBody>
+          </p:sp>
+        </mc:Fallback>
+      </mc:AlternateContent>
+    </p:spTree>
+    <p:extLst>
+      <p:ext uri="{BB962C8B-B14F-4D97-AF65-F5344CB8AC3E}">
+        <p14:creationId xmlns:p14="http://schemas.microsoft.com/office/powerpoint/2010/main" val="2148345272"/>
+      </p:ext>
+    </p:extLst>
+  </p:cSld>
+  <p:clrMapOvr>
+    <a:masterClrMapping/>
+  </p:clrMapOvr>
+</p:sld>
+</file>
+
+<file path=ppt/slides/slide3.xml><?xml version="1.0" encoding="utf-8"?>
+<p:sld xmlns:a="http://schemas.openxmlformats.org/drawingml/2006/main" xmlns:r="http://schemas.openxmlformats.org/officeDocument/2006/relationships" xmlns:p="http://schemas.openxmlformats.org/presentationml/2006/main">
+  <p:cSld>
+    <p:spTree>
+      <p:nvGrpSpPr>
+        <p:cNvPr id="1" name=""/>
+        <p:cNvGrpSpPr/>
+        <p:nvPr/>
+      </p:nvGrpSpPr>
+      <p:grpSpPr>
+        <a:xfrm>
+          <a:off x="0" y="0"/>
+          <a:ext cx="0" cy="0"/>
+          <a:chOff x="0" y="0"/>
+          <a:chExt cx="0" cy="0"/>
+        </a:xfrm>
+      </p:grpSpPr>
+      <p:sp>
+        <p:nvSpPr>
+          <p:cNvPr id="2" name="Title 1">
+            <a:extLst>
+              <a:ext uri="{FF2B5EF4-FFF2-40B4-BE49-F238E27FC236}">
+                <a16:creationId xmlns:a16="http://schemas.microsoft.com/office/drawing/2014/main" id="{764AD14C-6D94-4048-8030-AF3B00C6ADBA}"/>
+              </a:ext>
+            </a:extLst>
+          </p:cNvPr>
+          <p:cNvSpPr>
+            <a:spLocks noGrp="1"/>
+          </p:cNvSpPr>
+          <p:nvPr>
+            <p:ph type="title"/>
+          </p:nvPr>
+        </p:nvSpPr>
+        <p:spPr>
+          <a:xfrm>
+            <a:off x="381000" y="2590800"/>
+            <a:ext cx="8229600" cy="990600"/>
+          </a:xfrm>
+        </p:spPr>
+        <p:txBody>
+          <a:bodyPr/>
+          <a:lstStyle/>
+          <a:p>
+            <a:pPr algn="ctr"/>
+            <a:r>
+              <a:rPr lang="en-US" dirty="0"/>
+              <a:t>Trees, spanning trees, and minimum spanning tree </a:t>
+            </a:r>
+          </a:p>
+        </p:txBody>
+      </p:sp>
+    </p:spTree>
+    <p:extLst>
+      <p:ext uri="{BB962C8B-B14F-4D97-AF65-F5344CB8AC3E}">
+        <p14:creationId xmlns:p14="http://schemas.microsoft.com/office/powerpoint/2010/main" val="1929170631"/>
+      </p:ext>
+    </p:extLst>
+  </p:cSld>
+  <p:clrMapOvr>
+    <a:masterClrMapping/>
+  </p:clrMapOvr>
+</p:sld>
+</file>
+
+<file path=ppt/slides/slide30.xml><?xml version="1.0" encoding="utf-8"?>
 <p:sld xmlns:a="http://schemas.openxmlformats.org/drawingml/2006/main" xmlns:r="http://schemas.openxmlformats.org/officeDocument/2006/relationships" xmlns:p="http://schemas.openxmlformats.org/presentationml/2006/main">
   <p:cSld>
     <p:spTree>
@@ -17622,7 +19079,7 @@
 </p:sld>
 </file>
 
-<file path=ppt/slides/slide29.xml><?xml version="1.0" encoding="utf-8"?>
+<file path=ppt/slides/slide31.xml><?xml version="1.0" encoding="utf-8"?>
 <p:sld xmlns:a="http://schemas.openxmlformats.org/drawingml/2006/main" xmlns:r="http://schemas.openxmlformats.org/officeDocument/2006/relationships" xmlns:p="http://schemas.openxmlformats.org/presentationml/2006/main">
   <p:cSld>
     <p:spTree>
@@ -17667,8 +19124,8 @@
           </a:p>
         </p:txBody>
       </p:sp>
-      <mc:AlternateContent xmlns:mc="http://schemas.openxmlformats.org/markup-compatibility/2006">
-        <mc:Choice xmlns:a14="http://schemas.microsoft.com/office/drawing/2010/main" Requires="a14">
+      <mc:AlternateContent xmlns:mc="http://schemas.openxmlformats.org/markup-compatibility/2006" xmlns:a14="http://schemas.microsoft.com/office/drawing/2010/main">
+        <mc:Choice Requires="a14">
           <p:sp>
             <p:nvSpPr>
               <p:cNvPr id="3" name="Content Placeholder 2">
@@ -18064,7 +19521,7 @@
             </p:txBody>
           </p:sp>
         </mc:Choice>
-        <mc:Fallback>
+        <mc:Fallback xmlns="">
           <p:sp>
             <p:nvSpPr>
               <p:cNvPr id="3" name="Content Placeholder 2">
@@ -18117,71 +19574,7 @@
 </p:sld>
 </file>
 
-<file path=ppt/slides/slide3.xml><?xml version="1.0" encoding="utf-8"?>
-<p:sld xmlns:a="http://schemas.openxmlformats.org/drawingml/2006/main" xmlns:r="http://schemas.openxmlformats.org/officeDocument/2006/relationships" xmlns:p="http://schemas.openxmlformats.org/presentationml/2006/main">
-  <p:cSld>
-    <p:spTree>
-      <p:nvGrpSpPr>
-        <p:cNvPr id="1" name=""/>
-        <p:cNvGrpSpPr/>
-        <p:nvPr/>
-      </p:nvGrpSpPr>
-      <p:grpSpPr>
-        <a:xfrm>
-          <a:off x="0" y="0"/>
-          <a:ext cx="0" cy="0"/>
-          <a:chOff x="0" y="0"/>
-          <a:chExt cx="0" cy="0"/>
-        </a:xfrm>
-      </p:grpSpPr>
-      <p:sp>
-        <p:nvSpPr>
-          <p:cNvPr id="2" name="Title 1">
-            <a:extLst>
-              <a:ext uri="{FF2B5EF4-FFF2-40B4-BE49-F238E27FC236}">
-                <a16:creationId xmlns:a16="http://schemas.microsoft.com/office/drawing/2014/main" id="{764AD14C-6D94-4048-8030-AF3B00C6ADBA}"/>
-              </a:ext>
-            </a:extLst>
-          </p:cNvPr>
-          <p:cNvSpPr>
-            <a:spLocks noGrp="1"/>
-          </p:cNvSpPr>
-          <p:nvPr>
-            <p:ph type="title"/>
-          </p:nvPr>
-        </p:nvSpPr>
-        <p:spPr>
-          <a:xfrm>
-            <a:off x="381000" y="2590800"/>
-            <a:ext cx="8229600" cy="990600"/>
-          </a:xfrm>
-        </p:spPr>
-        <p:txBody>
-          <a:bodyPr/>
-          <a:lstStyle/>
-          <a:p>
-            <a:pPr algn="ctr"/>
-            <a:r>
-              <a:rPr lang="en-US" dirty="0"/>
-              <a:t>Trees, spanning trees, and minimum spanning tree </a:t>
-            </a:r>
-          </a:p>
-        </p:txBody>
-      </p:sp>
-    </p:spTree>
-    <p:extLst>
-      <p:ext uri="{BB962C8B-B14F-4D97-AF65-F5344CB8AC3E}">
-        <p14:creationId xmlns:p14="http://schemas.microsoft.com/office/powerpoint/2010/main" val="1929170631"/>
-      </p:ext>
-    </p:extLst>
-  </p:cSld>
-  <p:clrMapOvr>
-    <a:masterClrMapping/>
-  </p:clrMapOvr>
-</p:sld>
-</file>
-
-<file path=ppt/slides/slide30.xml><?xml version="1.0" encoding="utf-8"?>
+<file path=ppt/slides/slide32.xml><?xml version="1.0" encoding="utf-8"?>
 <p:sld xmlns:a="http://schemas.openxmlformats.org/drawingml/2006/main" xmlns:r="http://schemas.openxmlformats.org/officeDocument/2006/relationships" xmlns:p="http://schemas.openxmlformats.org/presentationml/2006/main">
   <p:cSld>
     <p:spTree>
@@ -18231,59 +19624,39 @@
           </a:p>
         </p:txBody>
       </p:sp>
-      <p:sp>
-        <p:nvSpPr>
-          <p:cNvPr id="3" name="Content Placeholder 2">
+      <p:pic>
+        <p:nvPicPr>
+          <p:cNvPr id="5" name="Content Placeholder 4" descr="Text&#10;&#10;Description automatically generated">
             <a:extLst>
               <a:ext uri="{FF2B5EF4-FFF2-40B4-BE49-F238E27FC236}">
-                <a16:creationId xmlns:a16="http://schemas.microsoft.com/office/drawing/2014/main" id="{416E12E4-F772-4821-876A-4E73A7A7AB51}"/>
-              </a:ext>
-            </a:extLst>
-          </p:cNvPr>
-          <p:cNvSpPr>
-            <a:spLocks noGrp="1"/>
-          </p:cNvSpPr>
-          <p:nvPr>
-            <p:ph sz="quarter" idx="1"/>
-          </p:nvPr>
-        </p:nvSpPr>
-        <p:spPr/>
-        <p:txBody>
-          <a:bodyPr/>
-          <a:lstStyle/>
-          <a:p>
-            <a:endParaRPr lang="en-US"/>
-          </a:p>
-        </p:txBody>
-      </p:sp>
-      <p:pic>
-        <p:nvPicPr>
-          <p:cNvPr id="14" name="Picture 13">
-            <a:extLst>
-              <a:ext uri="{FF2B5EF4-FFF2-40B4-BE49-F238E27FC236}">
-                <a16:creationId xmlns:a16="http://schemas.microsoft.com/office/drawing/2014/main" id="{96851809-78A4-4554-9EF7-7BE7DD2443D7}"/>
+                <a16:creationId xmlns:a16="http://schemas.microsoft.com/office/drawing/2014/main" id="{FB36FB7D-7EE7-4DCC-9C83-344D818C2094}"/>
               </a:ext>
             </a:extLst>
           </p:cNvPr>
           <p:cNvPicPr>
-            <a:picLocks noChangeAspect="1"/>
+            <a:picLocks noGrp="1" noChangeAspect="1"/>
           </p:cNvPicPr>
-          <p:nvPr/>
+          <p:nvPr>
+            <p:ph sz="quarter" idx="1"/>
+          </p:nvPr>
         </p:nvPicPr>
         <p:blipFill>
-          <a:blip r:embed="rId2"/>
+          <a:blip r:embed="rId2">
+            <a:extLst>
+              <a:ext uri="{28A0092B-C50C-407E-A947-70E740481C1C}">
+                <a14:useLocalDpi xmlns:a14="http://schemas.microsoft.com/office/drawing/2010/main" val="0"/>
+              </a:ext>
+            </a:extLst>
+          </a:blip>
           <a:stretch>
             <a:fillRect/>
           </a:stretch>
         </p:blipFill>
         <p:spPr>
           <a:xfrm>
-            <a:off x="456344" y="1584304"/>
-            <a:ext cx="8229600" cy="4207551"/>
+            <a:off x="457200" y="1345732"/>
+            <a:ext cx="8229600" cy="4684061"/>
           </a:xfrm>
-          <a:prstGeom prst="rect">
-            <a:avLst/>
-          </a:prstGeom>
           <a:ln w="12700">
             <a:solidFill>
               <a:schemeClr val="tx1"/>
@@ -18304,7 +19677,7 @@
 </p:sld>
 </file>
 
-<file path=ppt/slides/slide31.xml><?xml version="1.0" encoding="utf-8"?>
+<file path=ppt/slides/slide33.xml><?xml version="1.0" encoding="utf-8"?>
 <p:sld xmlns:a="http://schemas.openxmlformats.org/drawingml/2006/main" xmlns:r="http://schemas.openxmlformats.org/officeDocument/2006/relationships" xmlns:p="http://schemas.openxmlformats.org/presentationml/2006/main">
   <p:cSld>
     <p:spTree>
@@ -18349,8 +19722,8 @@
           </a:p>
         </p:txBody>
       </p:sp>
-      <mc:AlternateContent xmlns:mc="http://schemas.openxmlformats.org/markup-compatibility/2006">
-        <mc:Choice xmlns:a14="http://schemas.microsoft.com/office/drawing/2010/main" Requires="a14">
+      <mc:AlternateContent xmlns:mc="http://schemas.openxmlformats.org/markup-compatibility/2006" xmlns:a14="http://schemas.microsoft.com/office/drawing/2010/main">
+        <mc:Choice Requires="a14">
           <p:sp>
             <p:nvSpPr>
               <p:cNvPr id="3" name="Content Placeholder 2">
@@ -18635,7 +20008,7 @@
             </p:txBody>
           </p:sp>
         </mc:Choice>
-        <mc:Fallback>
+        <mc:Fallback xmlns="">
           <p:sp>
             <p:nvSpPr>
               <p:cNvPr id="3" name="Content Placeholder 2">
@@ -18688,7 +20061,7 @@
 </p:sld>
 </file>
 
-<file path=ppt/slides/slide32.xml><?xml version="1.0" encoding="utf-8"?>
+<file path=ppt/slides/slide34.xml><?xml version="1.0" encoding="utf-8"?>
 <p:sld xmlns:a="http://schemas.openxmlformats.org/drawingml/2006/main" xmlns:r="http://schemas.openxmlformats.org/officeDocument/2006/relationships" xmlns:p="http://schemas.openxmlformats.org/presentationml/2006/main">
   <p:cSld>
     <p:spTree>
@@ -18730,8 +20103,8 @@
           </a:p>
         </p:txBody>
       </p:sp>
-      <mc:AlternateContent xmlns:mc="http://schemas.openxmlformats.org/markup-compatibility/2006">
-        <mc:Choice xmlns:a14="http://schemas.microsoft.com/office/drawing/2010/main" Requires="a14">
+      <mc:AlternateContent xmlns:mc="http://schemas.openxmlformats.org/markup-compatibility/2006" xmlns:a14="http://schemas.microsoft.com/office/drawing/2010/main">
+        <mc:Choice Requires="a14">
           <p:sp>
             <p:nvSpPr>
               <p:cNvPr id="3" name="Content Placeholder 2">
@@ -18897,7 +20270,7 @@
             </p:txBody>
           </p:sp>
         </mc:Choice>
-        <mc:Fallback>
+        <mc:Fallback xmlns="">
           <p:sp>
             <p:nvSpPr>
               <p:cNvPr id="3" name="Content Placeholder 2">
@@ -18941,8 +20314,8 @@
           </p:sp>
         </mc:Fallback>
       </mc:AlternateContent>
-      <mc:AlternateContent xmlns:mc="http://schemas.openxmlformats.org/markup-compatibility/2006">
-        <mc:Choice xmlns:a14="http://schemas.microsoft.com/office/drawing/2010/main" Requires="a14">
+      <mc:AlternateContent xmlns:mc="http://schemas.openxmlformats.org/markup-compatibility/2006" xmlns:a14="http://schemas.microsoft.com/office/drawing/2010/main">
+        <mc:Choice Requires="a14">
           <p:sp>
             <p:nvSpPr>
               <p:cNvPr id="4" name="Content Placeholder 2">
@@ -19261,7 +20634,7 @@
             </p:txBody>
           </p:sp>
         </mc:Choice>
-        <mc:Fallback>
+        <mc:Fallback xmlns="">
           <p:sp>
             <p:nvSpPr>
               <p:cNvPr id="4" name="Content Placeholder 2">
@@ -19605,7 +20978,7 @@
 </p:sld>
 </file>
 
-<file path=ppt/slides/slide33.xml><?xml version="1.0" encoding="utf-8"?>
+<file path=ppt/slides/slide35.xml><?xml version="1.0" encoding="utf-8"?>
 <p:sld xmlns:a="http://schemas.openxmlformats.org/drawingml/2006/main" xmlns:r="http://schemas.openxmlformats.org/officeDocument/2006/relationships" xmlns:p="http://schemas.openxmlformats.org/presentationml/2006/main">
   <p:cSld>
     <p:spTree>
@@ -20101,7 +21474,7 @@
 </p:sld>
 </file>
 
-<file path=ppt/slides/slide34.xml><?xml version="1.0" encoding="utf-8"?>
+<file path=ppt/slides/slide36.xml><?xml version="1.0" encoding="utf-8"?>
 <p:sld xmlns:a="http://schemas.openxmlformats.org/drawingml/2006/main" xmlns:r="http://schemas.openxmlformats.org/officeDocument/2006/relationships" xmlns:p="http://schemas.openxmlformats.org/presentationml/2006/main">
   <p:cSld>
     <p:spTree>
@@ -20146,54 +21519,453 @@
           </a:p>
         </p:txBody>
       </p:sp>
-      <p:sp>
-        <p:nvSpPr>
-          <p:cNvPr id="3" name="Content Placeholder 2">
-            <a:extLst>
-              <a:ext uri="{FF2B5EF4-FFF2-40B4-BE49-F238E27FC236}">
-                <a16:creationId xmlns:a16="http://schemas.microsoft.com/office/drawing/2014/main" id="{B4401EF0-7917-4800-B527-33007A0ED62C}"/>
-              </a:ext>
-            </a:extLst>
-          </p:cNvPr>
-          <p:cNvSpPr>
-            <a:spLocks noGrp="1"/>
-          </p:cNvSpPr>
-          <p:nvPr>
-            <p:ph sz="quarter" idx="1"/>
-          </p:nvPr>
-        </p:nvSpPr>
-        <p:spPr/>
-        <p:txBody>
-          <a:bodyPr/>
-          <a:lstStyle/>
-          <a:p>
-            <a:r>
-              <a:rPr lang="en-US" dirty="0"/>
-              <a:t>Dijkstra: </a:t>
-            </a:r>
-          </a:p>
-          <a:p>
-            <a:pPr lvl="1"/>
-            <a:r>
-              <a:rPr lang="en-US" dirty="0"/>
-              <a:t>Each node maintains the best distance estimate from source to the current node</a:t>
-            </a:r>
-          </a:p>
-          <a:p>
-            <a:r>
-              <a:rPr lang="en-US" dirty="0"/>
-              <a:t>Prim’s:</a:t>
-            </a:r>
-          </a:p>
-          <a:p>
-            <a:pPr lvl="1"/>
-            <a:r>
-              <a:rPr lang="en-US" dirty="0"/>
-              <a:t>Each node (not yet visited) maintains the minimum weight of any edge to reach a visited-node. </a:t>
-            </a:r>
-          </a:p>
-        </p:txBody>
-      </p:sp>
+      <mc:AlternateContent xmlns:mc="http://schemas.openxmlformats.org/markup-compatibility/2006">
+        <mc:Choice xmlns:a14="http://schemas.microsoft.com/office/drawing/2010/main" Requires="a14">
+          <p:sp>
+            <p:nvSpPr>
+              <p:cNvPr id="3" name="Content Placeholder 2">
+                <a:extLst>
+                  <a:ext uri="{FF2B5EF4-FFF2-40B4-BE49-F238E27FC236}">
+                    <a16:creationId xmlns:a16="http://schemas.microsoft.com/office/drawing/2014/main" id="{B4401EF0-7917-4800-B527-33007A0ED62C}"/>
+                  </a:ext>
+                </a:extLst>
+              </p:cNvPr>
+              <p:cNvSpPr>
+                <a:spLocks noGrp="1"/>
+              </p:cNvSpPr>
+              <p:nvPr>
+                <p:ph sz="quarter" idx="1"/>
+              </p:nvPr>
+            </p:nvSpPr>
+            <p:spPr/>
+            <p:txBody>
+              <a:bodyPr/>
+              <a:lstStyle/>
+              <a:p>
+                <a:r>
+                  <a:rPr lang="en-US" dirty="0"/>
+                  <a:t>Dijkstra: </a:t>
+                </a:r>
+              </a:p>
+              <a:p>
+                <a:pPr lvl="1"/>
+                <a:r>
+                  <a:rPr lang="en-US" dirty="0"/>
+                  <a:t>Each node maintains the best distance estimate from source to the current node</a:t>
+                </a:r>
+              </a:p>
+              <a:p>
+                <a:pPr lvl="2"/>
+                <a:r>
+                  <a:rPr lang="en-US" dirty="0"/>
+                  <a:t>when inspecting a new (crossing) edge (</a:t>
+                </a:r>
+                <a14:m>
+                  <m:oMath xmlns:m="http://schemas.openxmlformats.org/officeDocument/2006/math">
+                    <m:r>
+                      <a:rPr lang="en-US" i="1" dirty="0" smtClean="0">
+                        <a:latin typeface="Cambria Math" panose="02040503050406030204" pitchFamily="18" charset="0"/>
+                      </a:rPr>
+                      <m:t>𝑢</m:t>
+                    </m:r>
+                    <m:r>
+                      <a:rPr lang="en-US" i="1" dirty="0" smtClean="0">
+                        <a:latin typeface="Cambria Math" panose="02040503050406030204" pitchFamily="18" charset="0"/>
+                      </a:rPr>
+                      <m:t>,</m:t>
+                    </m:r>
+                    <m:r>
+                      <a:rPr lang="en-US" i="1" dirty="0" smtClean="0">
+                        <a:latin typeface="Cambria Math" panose="02040503050406030204" pitchFamily="18" charset="0"/>
+                      </a:rPr>
+                      <m:t>𝑣</m:t>
+                    </m:r>
+                  </m:oMath>
+                </a14:m>
+                <a:r>
+                  <a:rPr lang="en-US" dirty="0"/>
+                  <a:t>),  </a:t>
+                </a:r>
+                <a:endParaRPr lang="en-US" i="1" dirty="0">
+                  <a:latin typeface="Cambria Math" panose="02040503050406030204" pitchFamily="18" charset="0"/>
+                </a:endParaRPr>
+              </a:p>
+              <a:p>
+                <a:pPr lvl="3"/>
+                <a14:m>
+                  <m:oMath xmlns:m="http://schemas.openxmlformats.org/officeDocument/2006/math">
+                    <m:r>
+                      <a:rPr lang="en-US" i="1" dirty="0" smtClean="0">
+                        <a:latin typeface="Cambria Math" panose="02040503050406030204" pitchFamily="18" charset="0"/>
+                      </a:rPr>
+                      <m:t>𝑣</m:t>
+                    </m:r>
+                    <m:r>
+                      <a:rPr lang="en-US" i="1" dirty="0" err="1" smtClean="0">
+                        <a:latin typeface="Cambria Math" panose="02040503050406030204" pitchFamily="18" charset="0"/>
+                      </a:rPr>
+                      <m:t>.</m:t>
+                    </m:r>
+                    <m:r>
+                      <a:rPr lang="en-US" b="0" i="1" dirty="0" smtClean="0">
+                        <a:latin typeface="Cambria Math" panose="02040503050406030204" pitchFamily="18" charset="0"/>
+                      </a:rPr>
+                      <m:t>𝑑𝑖𝑠𝑡𝑎𝑛𝑐𝑒</m:t>
+                    </m:r>
+                    <m:r>
+                      <a:rPr lang="en-US" i="1" dirty="0">
+                        <a:latin typeface="Cambria Math" panose="02040503050406030204" pitchFamily="18" charset="0"/>
+                      </a:rPr>
+                      <m:t> </m:t>
+                    </m:r>
+                    <m:r>
+                      <a:rPr lang="en-US" i="1" dirty="0" smtClean="0">
+                        <a:latin typeface="Cambria Math" panose="02040503050406030204" pitchFamily="18" charset="0"/>
+                      </a:rPr>
+                      <m:t>=</m:t>
+                    </m:r>
+                    <m:r>
+                      <a:rPr lang="en-US" i="1" dirty="0">
+                        <a:latin typeface="Cambria Math" panose="02040503050406030204" pitchFamily="18" charset="0"/>
+                      </a:rPr>
+                      <m:t> </m:t>
+                    </m:r>
+                    <m:r>
+                      <m:rPr>
+                        <m:sty m:val="p"/>
+                      </m:rPr>
+                      <a:rPr lang="en-US" i="1" dirty="0" smtClean="0">
+                        <a:latin typeface="Cambria Math" panose="02040503050406030204" pitchFamily="18" charset="0"/>
+                      </a:rPr>
+                      <m:t>min</m:t>
+                    </m:r>
+                    <m:r>
+                      <a:rPr lang="en-US" i="1" dirty="0">
+                        <a:latin typeface="Cambria Math" panose="02040503050406030204" pitchFamily="18" charset="0"/>
+                      </a:rPr>
+                      <m:t>⁡</m:t>
+                    </m:r>
+                    <m:r>
+                      <a:rPr lang="en-US" i="1" dirty="0" smtClean="0">
+                        <a:latin typeface="Cambria Math" panose="02040503050406030204" pitchFamily="18" charset="0"/>
+                      </a:rPr>
+                      <m:t>(</m:t>
+                    </m:r>
+                    <m:r>
+                      <a:rPr lang="en-US" i="1" dirty="0" err="1" smtClean="0">
+                        <a:latin typeface="Cambria Math" panose="02040503050406030204" pitchFamily="18" charset="0"/>
+                      </a:rPr>
+                      <m:t>𝑣</m:t>
+                    </m:r>
+                    <m:r>
+                      <a:rPr lang="en-US" i="1" dirty="0" err="1" smtClean="0">
+                        <a:latin typeface="Cambria Math" panose="02040503050406030204" pitchFamily="18" charset="0"/>
+                      </a:rPr>
+                      <m:t>.</m:t>
+                    </m:r>
+                    <m:r>
+                      <a:rPr lang="en-US" b="0" i="1" dirty="0" smtClean="0">
+                        <a:latin typeface="Cambria Math" panose="02040503050406030204" pitchFamily="18" charset="0"/>
+                      </a:rPr>
+                      <m:t>𝑑𝑖𝑠𝑡𝑛𝑎𝑐𝑒</m:t>
+                    </m:r>
+                    <m:r>
+                      <a:rPr lang="en-US" i="1" dirty="0" smtClean="0">
+                        <a:latin typeface="Cambria Math" panose="02040503050406030204" pitchFamily="18" charset="0"/>
+                      </a:rPr>
+                      <m:t>, </m:t>
+                    </m:r>
+                    <m:r>
+                      <a:rPr lang="en-US" b="0" i="1" dirty="0" smtClean="0">
+                        <a:latin typeface="Cambria Math" panose="02040503050406030204" pitchFamily="18" charset="0"/>
+                      </a:rPr>
+                      <m:t>  </m:t>
+                    </m:r>
+                    <m:r>
+                      <a:rPr lang="en-US" b="0" i="1" dirty="0" smtClean="0">
+                        <a:latin typeface="Cambria Math" panose="02040503050406030204" pitchFamily="18" charset="0"/>
+                      </a:rPr>
+                      <m:t>𝑢</m:t>
+                    </m:r>
+                    <m:r>
+                      <a:rPr lang="en-US" b="0" i="1" dirty="0" smtClean="0">
+                        <a:latin typeface="Cambria Math" panose="02040503050406030204" pitchFamily="18" charset="0"/>
+                      </a:rPr>
+                      <m:t>.</m:t>
+                    </m:r>
+                    <m:r>
+                      <a:rPr lang="en-US" b="0" i="1" dirty="0" smtClean="0">
+                        <a:latin typeface="Cambria Math" panose="02040503050406030204" pitchFamily="18" charset="0"/>
+                      </a:rPr>
+                      <m:t>𝑑𝑖𝑠𝑡𝑎𝑛𝑐𝑒</m:t>
+                    </m:r>
+                    <m:r>
+                      <a:rPr lang="en-US" b="0" i="1" dirty="0" smtClean="0">
+                        <a:latin typeface="Cambria Math" panose="02040503050406030204" pitchFamily="18" charset="0"/>
+                      </a:rPr>
+                      <m:t>+ </m:t>
+                    </m:r>
+                    <m:r>
+                      <a:rPr lang="en-US" i="1" dirty="0" smtClean="0">
+                        <a:latin typeface="Cambria Math" panose="02040503050406030204" pitchFamily="18" charset="0"/>
+                      </a:rPr>
+                      <m:t>𝑤𝑒𝑖𝑔h𝑡</m:t>
+                    </m:r>
+                    <m:r>
+                      <a:rPr lang="en-US" i="1" dirty="0" smtClean="0">
+                        <a:latin typeface="Cambria Math" panose="02040503050406030204" pitchFamily="18" charset="0"/>
+                      </a:rPr>
+                      <m:t>(</m:t>
+                    </m:r>
+                    <m:r>
+                      <a:rPr lang="en-US" i="1" dirty="0" err="1" smtClean="0">
+                        <a:latin typeface="Cambria Math" panose="02040503050406030204" pitchFamily="18" charset="0"/>
+                      </a:rPr>
+                      <m:t>𝑢</m:t>
+                    </m:r>
+                    <m:r>
+                      <a:rPr lang="en-US" i="1" dirty="0" err="1" smtClean="0">
+                        <a:latin typeface="Cambria Math" panose="02040503050406030204" pitchFamily="18" charset="0"/>
+                      </a:rPr>
+                      <m:t>,</m:t>
+                    </m:r>
+                    <m:r>
+                      <a:rPr lang="en-US" i="1" dirty="0" err="1" smtClean="0">
+                        <a:latin typeface="Cambria Math" panose="02040503050406030204" pitchFamily="18" charset="0"/>
+                      </a:rPr>
+                      <m:t>𝑣</m:t>
+                    </m:r>
+                    <m:r>
+                      <a:rPr lang="en-US" i="1" dirty="0" smtClean="0">
+                        <a:latin typeface="Cambria Math" panose="02040503050406030204" pitchFamily="18" charset="0"/>
+                      </a:rPr>
+                      <m:t>))</m:t>
+                    </m:r>
+                  </m:oMath>
+                </a14:m>
+                <a:endParaRPr lang="en-US" dirty="0"/>
+              </a:p>
+              <a:p>
+                <a:pPr lvl="2"/>
+                <a:endParaRPr lang="en-US" dirty="0"/>
+              </a:p>
+              <a:p>
+                <a:r>
+                  <a:rPr lang="en-US" dirty="0"/>
+                  <a:t>Prim’s:</a:t>
+                </a:r>
+              </a:p>
+              <a:p>
+                <a:pPr lvl="1"/>
+                <a:r>
+                  <a:rPr lang="en-US" dirty="0"/>
+                  <a:t>Each node (not yet visited) maintains the minimum weight of any edge to reach a visited-node. </a:t>
+                </a:r>
+              </a:p>
+              <a:p>
+                <a:pPr lvl="2"/>
+                <a:r>
+                  <a:rPr lang="en-US" dirty="0"/>
+                  <a:t>when inspecting a new crossing edge (</a:t>
+                </a:r>
+                <a14:m>
+                  <m:oMath xmlns:m="http://schemas.openxmlformats.org/officeDocument/2006/math">
+                    <m:r>
+                      <a:rPr lang="en-US" i="1" dirty="0" smtClean="0">
+                        <a:latin typeface="Cambria Math" panose="02040503050406030204" pitchFamily="18" charset="0"/>
+                      </a:rPr>
+                      <m:t>𝑢</m:t>
+                    </m:r>
+                    <m:r>
+                      <a:rPr lang="en-US" i="1" dirty="0" smtClean="0">
+                        <a:latin typeface="Cambria Math" panose="02040503050406030204" pitchFamily="18" charset="0"/>
+                      </a:rPr>
+                      <m:t>,</m:t>
+                    </m:r>
+                    <m:r>
+                      <a:rPr lang="en-US" i="1" dirty="0" smtClean="0">
+                        <a:latin typeface="Cambria Math" panose="02040503050406030204" pitchFamily="18" charset="0"/>
+                      </a:rPr>
+                      <m:t>𝑣</m:t>
+                    </m:r>
+                  </m:oMath>
+                </a14:m>
+                <a:r>
+                  <a:rPr lang="en-US" dirty="0"/>
+                  <a:t>),  </a:t>
+                </a:r>
+                <a:endParaRPr lang="en-US" i="1" dirty="0">
+                  <a:latin typeface="Cambria Math" panose="02040503050406030204" pitchFamily="18" charset="0"/>
+                </a:endParaRPr>
+              </a:p>
+              <a:p>
+                <a:pPr lvl="3"/>
+                <a14:m>
+                  <m:oMath xmlns:m="http://schemas.openxmlformats.org/officeDocument/2006/math">
+                    <m:r>
+                      <a:rPr lang="en-US" i="1" dirty="0" smtClean="0">
+                        <a:latin typeface="Cambria Math" panose="02040503050406030204" pitchFamily="18" charset="0"/>
+                      </a:rPr>
+                      <m:t>𝑣</m:t>
+                    </m:r>
+                    <m:r>
+                      <a:rPr lang="en-US" i="1" dirty="0" err="1" smtClean="0">
+                        <a:latin typeface="Cambria Math" panose="02040503050406030204" pitchFamily="18" charset="0"/>
+                      </a:rPr>
+                      <m:t>.</m:t>
+                    </m:r>
+                    <m:r>
+                      <a:rPr lang="en-US" i="1" dirty="0" err="1" smtClean="0">
+                        <a:latin typeface="Cambria Math" panose="02040503050406030204" pitchFamily="18" charset="0"/>
+                      </a:rPr>
+                      <m:t>𝑐𝑜𝑠𝑡</m:t>
+                    </m:r>
+                    <m:r>
+                      <a:rPr lang="en-US" i="1" dirty="0">
+                        <a:latin typeface="Cambria Math" panose="02040503050406030204" pitchFamily="18" charset="0"/>
+                      </a:rPr>
+                      <m:t> </m:t>
+                    </m:r>
+                    <m:r>
+                      <a:rPr lang="en-US" i="1" dirty="0" smtClean="0">
+                        <a:latin typeface="Cambria Math" panose="02040503050406030204" pitchFamily="18" charset="0"/>
+                      </a:rPr>
+                      <m:t>=</m:t>
+                    </m:r>
+                    <m:r>
+                      <a:rPr lang="en-US" i="1" dirty="0">
+                        <a:latin typeface="Cambria Math" panose="02040503050406030204" pitchFamily="18" charset="0"/>
+                      </a:rPr>
+                      <m:t> </m:t>
+                    </m:r>
+                    <m:r>
+                      <m:rPr>
+                        <m:sty m:val="p"/>
+                      </m:rPr>
+                      <a:rPr lang="en-US" i="1" dirty="0" smtClean="0">
+                        <a:latin typeface="Cambria Math" panose="02040503050406030204" pitchFamily="18" charset="0"/>
+                      </a:rPr>
+                      <m:t>min</m:t>
+                    </m:r>
+                    <m:r>
+                      <a:rPr lang="en-US" i="1" dirty="0">
+                        <a:latin typeface="Cambria Math" panose="02040503050406030204" pitchFamily="18" charset="0"/>
+                      </a:rPr>
+                      <m:t>⁡</m:t>
+                    </m:r>
+                    <m:r>
+                      <a:rPr lang="en-US" i="1" dirty="0" smtClean="0">
+                        <a:latin typeface="Cambria Math" panose="02040503050406030204" pitchFamily="18" charset="0"/>
+                      </a:rPr>
+                      <m:t>(</m:t>
+                    </m:r>
+                    <m:r>
+                      <a:rPr lang="en-US" i="1" dirty="0" err="1" smtClean="0">
+                        <a:latin typeface="Cambria Math" panose="02040503050406030204" pitchFamily="18" charset="0"/>
+                      </a:rPr>
+                      <m:t>𝑣</m:t>
+                    </m:r>
+                    <m:r>
+                      <a:rPr lang="en-US" i="1" dirty="0" err="1" smtClean="0">
+                        <a:latin typeface="Cambria Math" panose="02040503050406030204" pitchFamily="18" charset="0"/>
+                      </a:rPr>
+                      <m:t>.</m:t>
+                    </m:r>
+                    <m:r>
+                      <a:rPr lang="en-US" i="1" dirty="0" err="1" smtClean="0">
+                        <a:latin typeface="Cambria Math" panose="02040503050406030204" pitchFamily="18" charset="0"/>
+                      </a:rPr>
+                      <m:t>𝑐𝑜𝑠𝑡</m:t>
+                    </m:r>
+                    <m:r>
+                      <a:rPr lang="en-US" i="1" dirty="0" smtClean="0">
+                        <a:latin typeface="Cambria Math" panose="02040503050406030204" pitchFamily="18" charset="0"/>
+                      </a:rPr>
+                      <m:t>, </m:t>
+                    </m:r>
+                    <m:r>
+                      <a:rPr lang="en-US" i="1" dirty="0" smtClean="0">
+                        <a:latin typeface="Cambria Math" panose="02040503050406030204" pitchFamily="18" charset="0"/>
+                      </a:rPr>
+                      <m:t>𝑤𝑒𝑖𝑔h𝑡</m:t>
+                    </m:r>
+                    <m:r>
+                      <a:rPr lang="en-US" i="1" dirty="0" smtClean="0">
+                        <a:latin typeface="Cambria Math" panose="02040503050406030204" pitchFamily="18" charset="0"/>
+                      </a:rPr>
+                      <m:t>(</m:t>
+                    </m:r>
+                    <m:r>
+                      <a:rPr lang="en-US" i="1" dirty="0" err="1" smtClean="0">
+                        <a:latin typeface="Cambria Math" panose="02040503050406030204" pitchFamily="18" charset="0"/>
+                      </a:rPr>
+                      <m:t>𝑢</m:t>
+                    </m:r>
+                    <m:r>
+                      <a:rPr lang="en-US" i="1" dirty="0" err="1" smtClean="0">
+                        <a:latin typeface="Cambria Math" panose="02040503050406030204" pitchFamily="18" charset="0"/>
+                      </a:rPr>
+                      <m:t>,</m:t>
+                    </m:r>
+                    <m:r>
+                      <a:rPr lang="en-US" i="1" dirty="0" err="1" smtClean="0">
+                        <a:latin typeface="Cambria Math" panose="02040503050406030204" pitchFamily="18" charset="0"/>
+                      </a:rPr>
+                      <m:t>𝑣</m:t>
+                    </m:r>
+                    <m:r>
+                      <a:rPr lang="en-US" i="1" dirty="0" smtClean="0">
+                        <a:latin typeface="Cambria Math" panose="02040503050406030204" pitchFamily="18" charset="0"/>
+                      </a:rPr>
+                      <m:t>))</m:t>
+                    </m:r>
+                  </m:oMath>
+                </a14:m>
+                <a:endParaRPr lang="en-US" dirty="0"/>
+              </a:p>
+            </p:txBody>
+          </p:sp>
+        </mc:Choice>
+        <mc:Fallback>
+          <p:sp>
+            <p:nvSpPr>
+              <p:cNvPr id="3" name="Content Placeholder 2">
+                <a:extLst>
+                  <a:ext uri="{FF2B5EF4-FFF2-40B4-BE49-F238E27FC236}">
+                    <a16:creationId xmlns:a16="http://schemas.microsoft.com/office/drawing/2014/main" id="{B4401EF0-7917-4800-B527-33007A0ED62C}"/>
+                  </a:ext>
+                </a:extLst>
+              </p:cNvPr>
+              <p:cNvSpPr>
+                <a:spLocks noGrp="1" noRot="1" noChangeAspect="1" noMove="1" noResize="1" noEditPoints="1" noAdjustHandles="1" noChangeArrowheads="1" noChangeShapeType="1" noTextEdit="1"/>
+              </p:cNvSpPr>
+              <p:nvPr>
+                <p:ph sz="quarter" idx="1"/>
+              </p:nvPr>
+            </p:nvSpPr>
+            <p:spPr>
+              <a:blipFill>
+                <a:blip r:embed="rId2"/>
+                <a:stretch>
+                  <a:fillRect l="-667" t="-1111" r="-1333"/>
+                </a:stretch>
+              </a:blipFill>
+            </p:spPr>
+            <p:txBody>
+              <a:bodyPr/>
+              <a:lstStyle/>
+              <a:p>
+                <a:r>
+                  <a:rPr lang="en-US">
+                    <a:noFill/>
+                  </a:rPr>
+                  <a:t> </a:t>
+                </a:r>
+              </a:p>
+            </p:txBody>
+          </p:sp>
+        </mc:Fallback>
+      </mc:AlternateContent>
     </p:spTree>
     <p:extLst>
       <p:ext uri="{BB962C8B-B14F-4D97-AF65-F5344CB8AC3E}">
@@ -20207,7 +21979,7 @@
 </p:sld>
 </file>
 
-<file path=ppt/slides/slide35.xml><?xml version="1.0" encoding="utf-8"?>
+<file path=ppt/slides/slide37.xml><?xml version="1.0" encoding="utf-8"?>
 <p:sld xmlns:a="http://schemas.openxmlformats.org/drawingml/2006/main" xmlns:r="http://schemas.openxmlformats.org/officeDocument/2006/relationships" xmlns:p="http://schemas.openxmlformats.org/presentationml/2006/main">
   <p:cSld>
     <p:spTree>
@@ -20350,7 +22122,7 @@
 </p:sld>
 </file>
 
-<file path=ppt/slides/slide36.xml><?xml version="1.0" encoding="utf-8"?>
+<file path=ppt/slides/slide38.xml><?xml version="1.0" encoding="utf-8"?>
 <p:sld xmlns:a="http://schemas.openxmlformats.org/drawingml/2006/main" xmlns:r="http://schemas.openxmlformats.org/officeDocument/2006/relationships" xmlns:p="http://schemas.openxmlformats.org/presentationml/2006/main">
   <p:cSld>
     <p:spTree>
@@ -20704,7 +22476,7 @@
 </p:sld>
 </file>
 
-<file path=ppt/slides/slide37.xml><?xml version="1.0" encoding="utf-8"?>
+<file path=ppt/slides/slide39.xml><?xml version="1.0" encoding="utf-8"?>
 <p:sld xmlns:a="http://schemas.openxmlformats.org/drawingml/2006/main" xmlns:r="http://schemas.openxmlformats.org/officeDocument/2006/relationships" xmlns:p="http://schemas.openxmlformats.org/presentationml/2006/main">
   <p:cSld>
     <p:spTree>
@@ -21742,56 +23514,6 @@
                       </p:childTnLst>
                     </p:cTn>
                   </p:par>
-                  <p:par>
-                    <p:cTn id="7" fill="hold">
-                      <p:stCondLst>
-                        <p:cond delay="indefinite"/>
-                      </p:stCondLst>
-                      <p:childTnLst>
-                        <p:par>
-                          <p:cTn id="8" fill="hold">
-                            <p:stCondLst>
-                              <p:cond delay="0"/>
-                            </p:stCondLst>
-                            <p:childTnLst>
-                              <p:par>
-                                <p:cTn id="9" presetID="1" presetClass="entr" presetSubtype="0" fill="hold" grpId="0" nodeType="clickEffect" nodePh="1">
-                                  <p:stCondLst>
-                                    <p:cond delay="0"/>
-                                  </p:stCondLst>
-                                  <p:endCondLst>
-                                    <p:cond evt="begin" delay="0">
-                                      <p:tn val="9"/>
-                                    </p:cond>
-                                  </p:endCondLst>
-                                  <p:childTnLst>
-                                    <p:set>
-                                      <p:cBhvr>
-                                        <p:cTn id="10" dur="1" fill="hold">
-                                          <p:stCondLst>
-                                            <p:cond delay="0"/>
-                                          </p:stCondLst>
-                                        </p:cTn>
-                                        <p:tgtEl>
-                                          <p:spTgt spid="6"/>
-                                        </p:tgtEl>
-                                        <p:attrNameLst>
-                                          <p:attrName>style.visibility</p:attrName>
-                                        </p:attrNameLst>
-                                      </p:cBhvr>
-                                      <p:to>
-                                        <p:strVal val="visible"/>
-                                      </p:to>
-                                    </p:set>
-                                  </p:childTnLst>
-                                </p:cTn>
-                              </p:par>
-                            </p:childTnLst>
-                          </p:cTn>
-                        </p:par>
-                      </p:childTnLst>
-                    </p:cTn>
-                  </p:par>
                 </p:childTnLst>
               </p:cTn>
               <p:prevCondLst>
@@ -21815,7 +23537,6 @@
     </p:tnLst>
     <p:bldLst>
       <p:bldP spid="5" grpId="0" animBg="1"/>
-      <p:bldP spid="6" grpId="0"/>
     </p:bldLst>
   </p:timing>
 </p:sld>
@@ -22825,8 +24546,8 @@
           </a:p>
         </p:txBody>
       </p:sp>
-      <mc:AlternateContent xmlns:mc="http://schemas.openxmlformats.org/markup-compatibility/2006">
-        <mc:Choice xmlns:a14="http://schemas.microsoft.com/office/drawing/2010/main" Requires="a14">
+      <mc:AlternateContent xmlns:mc="http://schemas.openxmlformats.org/markup-compatibility/2006" xmlns:a14="http://schemas.microsoft.com/office/drawing/2010/main">
+        <mc:Choice Requires="a14">
           <p:sp>
             <p:nvSpPr>
               <p:cNvPr id="4" name="Content Placeholder 2">
@@ -23327,7 +25048,7 @@
             </p:txBody>
           </p:sp>
         </mc:Choice>
-        <mc:Fallback>
+        <mc:Fallback xmlns="">
           <p:sp>
             <p:nvSpPr>
               <p:cNvPr id="4" name="Content Placeholder 2">
